--- a/Week 4&5 Presentation.pptx
+++ b/Week 4&5 Presentation.pptx
@@ -137,15 +137,15 @@
 </file>
 
 <file path=ppt/diagrams/colors1.xml><?xml version="1.0" encoding="utf-8"?>
-<dgm:colorsDef xmlns:dgm="http://schemas.openxmlformats.org/drawingml/2006/diagram" xmlns:a="http://schemas.openxmlformats.org/drawingml/2006/main" uniqueId="urn:microsoft.com/office/officeart/2005/8/colors/accent1_2">
+<dgm:colorsDef xmlns:dgm="http://schemas.openxmlformats.org/drawingml/2006/diagram" xmlns:a="http://schemas.openxmlformats.org/drawingml/2006/main" uniqueId="urn:microsoft.com/office/officeart/2005/8/colors/accent5_2">
   <dgm:title val=""/>
   <dgm:desc val=""/>
   <dgm:catLst>
-    <dgm:cat type="accent1" pri="11200"/>
+    <dgm:cat type="accent5" pri="11200"/>
   </dgm:catLst>
   <dgm:styleLbl name="node0">
     <dgm:fillClrLst meth="repeat">
-      <a:schemeClr val="accent1"/>
+      <a:schemeClr val="accent5"/>
     </dgm:fillClrLst>
     <dgm:linClrLst meth="repeat">
       <a:schemeClr val="lt1"/>
@@ -155,21 +155,9 @@
     <dgm:txFillClrLst/>
     <dgm:txEffectClrLst/>
   </dgm:styleLbl>
-  <dgm:styleLbl name="alignNode1">
-    <dgm:fillClrLst meth="repeat">
-      <a:schemeClr val="accent1"/>
-    </dgm:fillClrLst>
-    <dgm:linClrLst meth="repeat">
-      <a:schemeClr val="accent1"/>
-    </dgm:linClrLst>
-    <dgm:effectClrLst/>
-    <dgm:txLinClrLst/>
-    <dgm:txFillClrLst/>
-    <dgm:txEffectClrLst/>
-  </dgm:styleLbl>
   <dgm:styleLbl name="node1">
     <dgm:fillClrLst meth="repeat">
-      <a:schemeClr val="accent1"/>
+      <a:schemeClr val="accent5"/>
     </dgm:fillClrLst>
     <dgm:linClrLst meth="repeat">
       <a:schemeClr val="lt1"/>
@@ -179,9 +167,21 @@
     <dgm:txFillClrLst/>
     <dgm:txEffectClrLst/>
   </dgm:styleLbl>
+  <dgm:styleLbl name="alignNode1">
+    <dgm:fillClrLst meth="repeat">
+      <a:schemeClr val="accent5"/>
+    </dgm:fillClrLst>
+    <dgm:linClrLst meth="repeat">
+      <a:schemeClr val="accent5"/>
+    </dgm:linClrLst>
+    <dgm:effectClrLst/>
+    <dgm:txLinClrLst/>
+    <dgm:txFillClrLst/>
+    <dgm:txEffectClrLst/>
+  </dgm:styleLbl>
   <dgm:styleLbl name="lnNode1">
     <dgm:fillClrLst meth="repeat">
-      <a:schemeClr val="accent1"/>
+      <a:schemeClr val="accent5"/>
     </dgm:fillClrLst>
     <dgm:linClrLst meth="repeat">
       <a:schemeClr val="lt1"/>
@@ -193,7 +193,7 @@
   </dgm:styleLbl>
   <dgm:styleLbl name="vennNode1">
     <dgm:fillClrLst meth="repeat">
-      <a:schemeClr val="accent1">
+      <a:schemeClr val="accent5">
         <a:alpha val="50000"/>
       </a:schemeClr>
     </dgm:fillClrLst>
@@ -207,7 +207,7 @@
   </dgm:styleLbl>
   <dgm:styleLbl name="node2">
     <dgm:fillClrLst meth="repeat">
-      <a:schemeClr val="accent1"/>
+      <a:schemeClr val="accent5"/>
     </dgm:fillClrLst>
     <dgm:linClrLst meth="repeat">
       <a:schemeClr val="lt1"/>
@@ -219,7 +219,7 @@
   </dgm:styleLbl>
   <dgm:styleLbl name="node3">
     <dgm:fillClrLst meth="repeat">
-      <a:schemeClr val="accent1"/>
+      <a:schemeClr val="accent5"/>
     </dgm:fillClrLst>
     <dgm:linClrLst meth="repeat">
       <a:schemeClr val="lt1"/>
@@ -231,7 +231,7 @@
   </dgm:styleLbl>
   <dgm:styleLbl name="node4">
     <dgm:fillClrLst meth="repeat">
-      <a:schemeClr val="accent1"/>
+      <a:schemeClr val="accent5"/>
     </dgm:fillClrLst>
     <dgm:linClrLst meth="repeat">
       <a:schemeClr val="lt1"/>
@@ -243,7 +243,7 @@
   </dgm:styleLbl>
   <dgm:styleLbl name="fgImgPlace1">
     <dgm:fillClrLst meth="repeat">
-      <a:schemeClr val="accent1">
+      <a:schemeClr val="accent5">
         <a:tint val="50000"/>
       </a:schemeClr>
     </dgm:fillClrLst>
@@ -259,7 +259,7 @@
   </dgm:styleLbl>
   <dgm:styleLbl name="alignImgPlace1">
     <dgm:fillClrLst meth="repeat">
-      <a:schemeClr val="accent1">
+      <a:schemeClr val="accent5">
         <a:tint val="50000"/>
       </a:schemeClr>
     </dgm:fillClrLst>
@@ -275,7 +275,7 @@
   </dgm:styleLbl>
   <dgm:styleLbl name="bgImgPlace1">
     <dgm:fillClrLst meth="repeat">
-      <a:schemeClr val="accent1">
+      <a:schemeClr val="accent5">
         <a:tint val="50000"/>
       </a:schemeClr>
     </dgm:fillClrLst>
@@ -291,12 +291,12 @@
   </dgm:styleLbl>
   <dgm:styleLbl name="sibTrans2D1">
     <dgm:fillClrLst meth="repeat">
-      <a:schemeClr val="accent1">
+      <a:schemeClr val="accent5">
         <a:tint val="60000"/>
       </a:schemeClr>
     </dgm:fillClrLst>
     <dgm:linClrLst meth="repeat">
-      <a:schemeClr val="accent1">
+      <a:schemeClr val="accent5">
         <a:tint val="60000"/>
       </a:schemeClr>
     </dgm:linClrLst>
@@ -307,12 +307,12 @@
   </dgm:styleLbl>
   <dgm:styleLbl name="fgSibTrans2D1">
     <dgm:fillClrLst meth="repeat">
-      <a:schemeClr val="accent1">
+      <a:schemeClr val="accent5">
         <a:tint val="60000"/>
       </a:schemeClr>
     </dgm:fillClrLst>
     <dgm:linClrLst meth="repeat">
-      <a:schemeClr val="accent1">
+      <a:schemeClr val="accent5">
         <a:tint val="60000"/>
       </a:schemeClr>
     </dgm:linClrLst>
@@ -323,12 +323,12 @@
   </dgm:styleLbl>
   <dgm:styleLbl name="bgSibTrans2D1">
     <dgm:fillClrLst meth="repeat">
-      <a:schemeClr val="accent1">
+      <a:schemeClr val="accent5">
         <a:tint val="60000"/>
       </a:schemeClr>
     </dgm:fillClrLst>
     <dgm:linClrLst meth="repeat">
-      <a:schemeClr val="accent1">
+      <a:schemeClr val="accent5">
         <a:tint val="60000"/>
       </a:schemeClr>
     </dgm:linClrLst>
@@ -339,10 +339,10 @@
   </dgm:styleLbl>
   <dgm:styleLbl name="sibTrans1D1">
     <dgm:fillClrLst meth="repeat">
-      <a:schemeClr val="accent1"/>
+      <a:schemeClr val="accent5"/>
     </dgm:fillClrLst>
     <dgm:linClrLst meth="repeat">
-      <a:schemeClr val="accent1"/>
+      <a:schemeClr val="accent5"/>
     </dgm:linClrLst>
     <dgm:effectClrLst/>
     <dgm:txLinClrLst/>
@@ -353,10 +353,10 @@
   </dgm:styleLbl>
   <dgm:styleLbl name="callout">
     <dgm:fillClrLst meth="repeat">
-      <a:schemeClr val="accent1"/>
+      <a:schemeClr val="accent5"/>
     </dgm:fillClrLst>
     <dgm:linClrLst meth="repeat">
-      <a:schemeClr val="accent1">
+      <a:schemeClr val="accent5">
         <a:tint val="50000"/>
       </a:schemeClr>
     </dgm:linClrLst>
@@ -369,7 +369,7 @@
   </dgm:styleLbl>
   <dgm:styleLbl name="asst0">
     <dgm:fillClrLst meth="repeat">
-      <a:schemeClr val="accent1"/>
+      <a:schemeClr val="accent5"/>
     </dgm:fillClrLst>
     <dgm:linClrLst meth="repeat">
       <a:schemeClr val="lt1"/>
@@ -381,7 +381,7 @@
   </dgm:styleLbl>
   <dgm:styleLbl name="asst1">
     <dgm:fillClrLst meth="repeat">
-      <a:schemeClr val="accent1"/>
+      <a:schemeClr val="accent5"/>
     </dgm:fillClrLst>
     <dgm:linClrLst meth="repeat">
       <a:schemeClr val="lt1"/>
@@ -393,7 +393,7 @@
   </dgm:styleLbl>
   <dgm:styleLbl name="asst2">
     <dgm:fillClrLst meth="repeat">
-      <a:schemeClr val="accent1"/>
+      <a:schemeClr val="accent5"/>
     </dgm:fillClrLst>
     <dgm:linClrLst meth="repeat">
       <a:schemeClr val="lt1"/>
@@ -405,7 +405,7 @@
   </dgm:styleLbl>
   <dgm:styleLbl name="asst3">
     <dgm:fillClrLst meth="repeat">
-      <a:schemeClr val="accent1"/>
+      <a:schemeClr val="accent5"/>
     </dgm:fillClrLst>
     <dgm:linClrLst meth="repeat">
       <a:schemeClr val="lt1"/>
@@ -417,7 +417,7 @@
   </dgm:styleLbl>
   <dgm:styleLbl name="asst4">
     <dgm:fillClrLst meth="repeat">
-      <a:schemeClr val="accent1"/>
+      <a:schemeClr val="accent5"/>
     </dgm:fillClrLst>
     <dgm:linClrLst meth="repeat">
       <a:schemeClr val="lt1"/>
@@ -429,12 +429,12 @@
   </dgm:styleLbl>
   <dgm:styleLbl name="parChTrans2D1">
     <dgm:fillClrLst meth="repeat">
-      <a:schemeClr val="accent1">
+      <a:schemeClr val="accent5">
         <a:tint val="60000"/>
       </a:schemeClr>
     </dgm:fillClrLst>
     <dgm:linClrLst meth="repeat">
-      <a:schemeClr val="accent1">
+      <a:schemeClr val="accent5">
         <a:tint val="60000"/>
       </a:schemeClr>
     </dgm:linClrLst>
@@ -447,10 +447,10 @@
   </dgm:styleLbl>
   <dgm:styleLbl name="parChTrans2D2">
     <dgm:fillClrLst meth="repeat">
-      <a:schemeClr val="accent1"/>
+      <a:schemeClr val="accent5"/>
     </dgm:fillClrLst>
     <dgm:linClrLst meth="repeat">
-      <a:schemeClr val="accent1"/>
+      <a:schemeClr val="accent5"/>
     </dgm:linClrLst>
     <dgm:effectClrLst/>
     <dgm:txLinClrLst/>
@@ -461,10 +461,10 @@
   </dgm:styleLbl>
   <dgm:styleLbl name="parChTrans2D3">
     <dgm:fillClrLst meth="repeat">
-      <a:schemeClr val="accent1"/>
+      <a:schemeClr val="accent5"/>
     </dgm:fillClrLst>
     <dgm:linClrLst meth="repeat">
-      <a:schemeClr val="accent1"/>
+      <a:schemeClr val="accent5"/>
     </dgm:linClrLst>
     <dgm:effectClrLst/>
     <dgm:txLinClrLst/>
@@ -475,10 +475,10 @@
   </dgm:styleLbl>
   <dgm:styleLbl name="parChTrans2D4">
     <dgm:fillClrLst meth="repeat">
-      <a:schemeClr val="accent1"/>
+      <a:schemeClr val="accent5"/>
     </dgm:fillClrLst>
     <dgm:linClrLst meth="repeat">
-      <a:schemeClr val="accent1"/>
+      <a:schemeClr val="accent5"/>
     </dgm:linClrLst>
     <dgm:effectClrLst/>
     <dgm:txLinClrLst/>
@@ -489,10 +489,10 @@
   </dgm:styleLbl>
   <dgm:styleLbl name="parChTrans1D1">
     <dgm:fillClrLst meth="repeat">
-      <a:schemeClr val="accent1"/>
+      <a:schemeClr val="accent5"/>
     </dgm:fillClrLst>
     <dgm:linClrLst meth="repeat">
-      <a:schemeClr val="accent1">
+      <a:schemeClr val="accent5">
         <a:shade val="60000"/>
       </a:schemeClr>
     </dgm:linClrLst>
@@ -505,10 +505,10 @@
   </dgm:styleLbl>
   <dgm:styleLbl name="parChTrans1D2">
     <dgm:fillClrLst meth="repeat">
-      <a:schemeClr val="accent1"/>
+      <a:schemeClr val="accent5"/>
     </dgm:fillClrLst>
     <dgm:linClrLst meth="repeat">
-      <a:schemeClr val="accent1">
+      <a:schemeClr val="accent5">
         <a:shade val="60000"/>
       </a:schemeClr>
     </dgm:linClrLst>
@@ -521,10 +521,10 @@
   </dgm:styleLbl>
   <dgm:styleLbl name="parChTrans1D3">
     <dgm:fillClrLst meth="repeat">
-      <a:schemeClr val="accent1"/>
+      <a:schemeClr val="accent5"/>
     </dgm:fillClrLst>
     <dgm:linClrLst meth="repeat">
-      <a:schemeClr val="accent1">
+      <a:schemeClr val="accent5">
         <a:shade val="80000"/>
       </a:schemeClr>
     </dgm:linClrLst>
@@ -537,10 +537,10 @@
   </dgm:styleLbl>
   <dgm:styleLbl name="parChTrans1D4">
     <dgm:fillClrLst meth="repeat">
-      <a:schemeClr val="accent1"/>
+      <a:schemeClr val="accent5"/>
     </dgm:fillClrLst>
     <dgm:linClrLst meth="repeat">
-      <a:schemeClr val="accent1">
+      <a:schemeClr val="accent5">
         <a:shade val="80000"/>
       </a:schemeClr>
     </dgm:linClrLst>
@@ -558,7 +558,7 @@
       </a:schemeClr>
     </dgm:fillClrLst>
     <dgm:linClrLst meth="repeat">
-      <a:schemeClr val="accent1"/>
+      <a:schemeClr val="accent5"/>
     </dgm:linClrLst>
     <dgm:effectClrLst/>
     <dgm:txLinClrLst/>
@@ -574,7 +574,7 @@
       </a:schemeClr>
     </dgm:fillClrLst>
     <dgm:linClrLst meth="repeat">
-      <a:schemeClr val="accent1"/>
+      <a:schemeClr val="accent5"/>
     </dgm:linClrLst>
     <dgm:effectClrLst/>
     <dgm:txLinClrLst/>
@@ -590,7 +590,7 @@
       </a:schemeClr>
     </dgm:fillClrLst>
     <dgm:linClrLst meth="repeat">
-      <a:schemeClr val="accent1"/>
+      <a:schemeClr val="accent5"/>
     </dgm:linClrLst>
     <dgm:effectClrLst/>
     <dgm:txLinClrLst/>
@@ -606,7 +606,7 @@
       </a:schemeClr>
     </dgm:fillClrLst>
     <dgm:linClrLst meth="repeat">
-      <a:schemeClr val="accent1"/>
+      <a:schemeClr val="accent5"/>
     </dgm:linClrLst>
     <dgm:effectClrLst/>
     <dgm:txLinClrLst/>
@@ -622,7 +622,7 @@
       </a:schemeClr>
     </dgm:fillClrLst>
     <dgm:linClrLst meth="repeat">
-      <a:schemeClr val="accent1"/>
+      <a:schemeClr val="accent5"/>
     </dgm:linClrLst>
     <dgm:effectClrLst/>
     <dgm:txLinClrLst/>
@@ -636,7 +636,7 @@
       <a:schemeClr val="lt1"/>
     </dgm:fillClrLst>
     <dgm:linClrLst meth="repeat">
-      <a:schemeClr val="accent1"/>
+      <a:schemeClr val="accent5"/>
     </dgm:linClrLst>
     <dgm:effectClrLst/>
     <dgm:txLinClrLst/>
@@ -650,7 +650,7 @@
       <a:schemeClr val="lt1"/>
     </dgm:fillClrLst>
     <dgm:linClrLst meth="repeat">
-      <a:schemeClr val="accent1"/>
+      <a:schemeClr val="accent5"/>
     </dgm:linClrLst>
     <dgm:effectClrLst/>
     <dgm:txLinClrLst/>
@@ -664,7 +664,7 @@
       <a:schemeClr val="lt1"/>
     </dgm:fillClrLst>
     <dgm:linClrLst meth="repeat">
-      <a:schemeClr val="accent1"/>
+      <a:schemeClr val="accent5"/>
     </dgm:linClrLst>
     <dgm:effectClrLst/>
     <dgm:txLinClrLst/>
@@ -675,13 +675,13 @@
   </dgm:styleLbl>
   <dgm:styleLbl name="fgAccFollowNode1">
     <dgm:fillClrLst meth="repeat">
-      <a:schemeClr val="accent1">
+      <a:schemeClr val="accent5">
         <a:alpha val="90000"/>
         <a:tint val="40000"/>
       </a:schemeClr>
     </dgm:fillClrLst>
     <dgm:linClrLst meth="repeat">
-      <a:schemeClr val="accent1">
+      <a:schemeClr val="accent5">
         <a:alpha val="90000"/>
         <a:tint val="40000"/>
       </a:schemeClr>
@@ -695,13 +695,13 @@
   </dgm:styleLbl>
   <dgm:styleLbl name="alignAccFollowNode1">
     <dgm:fillClrLst meth="repeat">
-      <a:schemeClr val="accent1">
+      <a:schemeClr val="accent5">
         <a:alpha val="90000"/>
         <a:tint val="40000"/>
       </a:schemeClr>
     </dgm:fillClrLst>
     <dgm:linClrLst meth="repeat">
-      <a:schemeClr val="accent1">
+      <a:schemeClr val="accent5">
         <a:alpha val="90000"/>
         <a:tint val="40000"/>
       </a:schemeClr>
@@ -715,13 +715,13 @@
   </dgm:styleLbl>
   <dgm:styleLbl name="bgAccFollowNode1">
     <dgm:fillClrLst meth="repeat">
-      <a:schemeClr val="accent1">
+      <a:schemeClr val="accent5">
         <a:alpha val="90000"/>
         <a:tint val="40000"/>
       </a:schemeClr>
     </dgm:fillClrLst>
     <dgm:linClrLst meth="repeat">
-      <a:schemeClr val="accent1">
+      <a:schemeClr val="accent5">
         <a:alpha val="90000"/>
         <a:tint val="40000"/>
       </a:schemeClr>
@@ -740,7 +740,7 @@
       </a:schemeClr>
     </dgm:fillClrLst>
     <dgm:linClrLst meth="repeat">
-      <a:schemeClr val="accent1"/>
+      <a:schemeClr val="accent5"/>
     </dgm:linClrLst>
     <dgm:effectClrLst/>
     <dgm:txLinClrLst/>
@@ -756,7 +756,7 @@
       </a:schemeClr>
     </dgm:fillClrLst>
     <dgm:linClrLst meth="repeat">
-      <a:schemeClr val="accent1"/>
+      <a:schemeClr val="accent5"/>
     </dgm:linClrLst>
     <dgm:effectClrLst/>
     <dgm:txLinClrLst/>
@@ -772,7 +772,7 @@
       </a:schemeClr>
     </dgm:fillClrLst>
     <dgm:linClrLst meth="repeat">
-      <a:schemeClr val="accent1"/>
+      <a:schemeClr val="accent5"/>
     </dgm:linClrLst>
     <dgm:effectClrLst/>
     <dgm:txLinClrLst/>
@@ -788,7 +788,7 @@
       </a:schemeClr>
     </dgm:fillClrLst>
     <dgm:linClrLst meth="repeat">
-      <a:schemeClr val="accent1"/>
+      <a:schemeClr val="accent5"/>
     </dgm:linClrLst>
     <dgm:effectClrLst/>
     <dgm:txLinClrLst/>
@@ -799,12 +799,12 @@
   </dgm:styleLbl>
   <dgm:styleLbl name="bgShp">
     <dgm:fillClrLst meth="repeat">
-      <a:schemeClr val="accent1">
+      <a:schemeClr val="accent5">
         <a:tint val="40000"/>
       </a:schemeClr>
     </dgm:fillClrLst>
     <dgm:linClrLst meth="repeat">
-      <a:schemeClr val="accent1"/>
+      <a:schemeClr val="accent5"/>
     </dgm:linClrLst>
     <dgm:effectClrLst/>
     <dgm:txLinClrLst/>
@@ -815,12 +815,12 @@
   </dgm:styleLbl>
   <dgm:styleLbl name="dkBgShp">
     <dgm:fillClrLst meth="repeat">
-      <a:schemeClr val="accent1">
+      <a:schemeClr val="accent5">
         <a:shade val="80000"/>
       </a:schemeClr>
     </dgm:fillClrLst>
     <dgm:linClrLst meth="repeat">
-      <a:schemeClr val="accent1"/>
+      <a:schemeClr val="accent5"/>
     </dgm:linClrLst>
     <dgm:effectClrLst/>
     <dgm:txLinClrLst/>
@@ -831,13 +831,13 @@
   </dgm:styleLbl>
   <dgm:styleLbl name="trBgShp">
     <dgm:fillClrLst meth="repeat">
-      <a:schemeClr val="accent1">
+      <a:schemeClr val="accent5">
         <a:tint val="50000"/>
         <a:alpha val="40000"/>
       </a:schemeClr>
     </dgm:fillClrLst>
     <dgm:linClrLst meth="repeat">
-      <a:schemeClr val="accent1"/>
+      <a:schemeClr val="accent5"/>
     </dgm:linClrLst>
     <dgm:effectClrLst/>
     <dgm:txLinClrLst/>
@@ -848,7 +848,7 @@
   </dgm:styleLbl>
   <dgm:styleLbl name="fgShp">
     <dgm:fillClrLst meth="repeat">
-      <a:schemeClr val="accent1">
+      <a:schemeClr val="accent5">
         <a:tint val="60000"/>
       </a:schemeClr>
     </dgm:fillClrLst>
@@ -3370,7 +3370,7 @@
 <dgm:dataModel xmlns:dgm="http://schemas.openxmlformats.org/drawingml/2006/diagram" xmlns:a="http://schemas.openxmlformats.org/drawingml/2006/main">
   <dgm:ptLst>
     <dgm:pt modelId="{8D18F6E9-D6EB-41DE-9627-AA6689688D6F}" type="doc">
-      <dgm:prSet loTypeId="urn:microsoft.com/office/officeart/2005/8/layout/hierarchy1" loCatId="hierarchy" qsTypeId="urn:microsoft.com/office/officeart/2005/8/quickstyle/simple1" qsCatId="simple" csTypeId="urn:microsoft.com/office/officeart/2005/8/colors/accent1_2" csCatId="accent1"/>
+      <dgm:prSet loTypeId="urn:microsoft.com/office/officeart/2005/8/layout/hierarchy1" loCatId="hierarchy" qsTypeId="urn:microsoft.com/office/officeart/2005/8/quickstyle/simple2" qsCatId="simple" csTypeId="urn:microsoft.com/office/officeart/2005/8/colors/accent5_2" csCatId="accent5" phldr="1"/>
       <dgm:spPr/>
       <dgm:t>
         <a:bodyPr/>
@@ -3388,8 +3388,8 @@
         <a:lstStyle/>
         <a:p>
           <a:r>
-            <a:rPr lang="en-US"/>
-            <a:t>WEEK 5 TARGET - INITIAL FEATURE EXTRACTION:</a:t>
+            <a:rPr lang="en-US" dirty="0"/>
+            <a:t>WEEK 5 TARGET -FEATURE EXTRACTION:</a:t>
           </a:r>
         </a:p>
       </dgm:t>
@@ -3416,7 +3416,7 @@
         </a:p>
       </dgm:t>
     </dgm:pt>
-    <dgm:pt modelId="{77984EA8-5F33-574D-9203-B2C1EAFD9E19}" type="pres">
+    <dgm:pt modelId="{CA6C15E6-EB31-4E42-9A6B-051CBB4D104A}" type="pres">
       <dgm:prSet presAssocID="{8D18F6E9-D6EB-41DE-9627-AA6689688D6F}" presName="hierChild1" presStyleCnt="0">
         <dgm:presLayoutVars>
           <dgm:chPref val="1"/>
@@ -3428,19 +3428,19 @@
       </dgm:prSet>
       <dgm:spPr/>
     </dgm:pt>
-    <dgm:pt modelId="{1B1F3034-1846-CD42-B7A8-23F926682C2B}" type="pres">
+    <dgm:pt modelId="{B4974F5D-E305-D441-85F8-9F93BF758774}" type="pres">
       <dgm:prSet presAssocID="{C3701A19-A95A-41FD-B3BC-9A3A97606879}" presName="hierRoot1" presStyleCnt="0"/>
       <dgm:spPr/>
     </dgm:pt>
-    <dgm:pt modelId="{9C535E9B-6488-F246-8137-B4324C915CCB}" type="pres">
+    <dgm:pt modelId="{9BEF6C37-9C00-E246-A679-BF6FC5F4EE5F}" type="pres">
       <dgm:prSet presAssocID="{C3701A19-A95A-41FD-B3BC-9A3A97606879}" presName="composite" presStyleCnt="0"/>
       <dgm:spPr/>
     </dgm:pt>
-    <dgm:pt modelId="{D71E12FA-477E-544A-AD00-63DE9B95586A}" type="pres">
+    <dgm:pt modelId="{7E861FDE-678C-9747-BFF4-9A3EF9AC7BB9}" type="pres">
       <dgm:prSet presAssocID="{C3701A19-A95A-41FD-B3BC-9A3A97606879}" presName="background" presStyleLbl="node0" presStyleIdx="0" presStyleCnt="1"/>
       <dgm:spPr/>
     </dgm:pt>
-    <dgm:pt modelId="{74704ABB-2CCD-534A-B682-29C3B3EBA420}" type="pres">
+    <dgm:pt modelId="{5674223A-A6B3-E54E-A813-A01E2A454C07}" type="pres">
       <dgm:prSet presAssocID="{C3701A19-A95A-41FD-B3BC-9A3A97606879}" presName="text" presStyleLbl="fgAcc0" presStyleIdx="0" presStyleCnt="1">
         <dgm:presLayoutVars>
           <dgm:chPref val="3"/>
@@ -3448,26 +3448,26 @@
       </dgm:prSet>
       <dgm:spPr/>
     </dgm:pt>
-    <dgm:pt modelId="{ECDA4CA9-A5FF-1744-A42E-D8BACD468420}" type="pres">
+    <dgm:pt modelId="{D0FD3B28-43E4-B944-985A-A5B686A21BC5}" type="pres">
       <dgm:prSet presAssocID="{C3701A19-A95A-41FD-B3BC-9A3A97606879}" presName="hierChild2" presStyleCnt="0"/>
       <dgm:spPr/>
     </dgm:pt>
   </dgm:ptLst>
   <dgm:cxnLst>
+    <dgm:cxn modelId="{FB312743-DCDD-5444-9493-9DE02985E868}" type="presOf" srcId="{C3701A19-A95A-41FD-B3BC-9A3A97606879}" destId="{5674223A-A6B3-E54E-A813-A01E2A454C07}" srcOrd="0" destOrd="0" presId="urn:microsoft.com/office/officeart/2005/8/layout/hierarchy1"/>
+    <dgm:cxn modelId="{E52BA266-A0B3-174E-B097-5655BD49BB0B}" type="presOf" srcId="{8D18F6E9-D6EB-41DE-9627-AA6689688D6F}" destId="{CA6C15E6-EB31-4E42-9A6B-051CBB4D104A}" srcOrd="0" destOrd="0" presId="urn:microsoft.com/office/officeart/2005/8/layout/hierarchy1"/>
     <dgm:cxn modelId="{C8C234BE-738D-475E-AFA6-6E5EF1F39813}" srcId="{8D18F6E9-D6EB-41DE-9627-AA6689688D6F}" destId="{C3701A19-A95A-41FD-B3BC-9A3A97606879}" srcOrd="0" destOrd="0" parTransId="{F48040F8-9804-4A36-AAFC-450BF2048884}" sibTransId="{BE2D5D4C-4DEC-4C6B-BC37-ABB3F3213F4C}"/>
-    <dgm:cxn modelId="{9C9C6DE9-A5D5-3348-B0F2-E406450FF317}" type="presOf" srcId="{C3701A19-A95A-41FD-B3BC-9A3A97606879}" destId="{74704ABB-2CCD-534A-B682-29C3B3EBA420}" srcOrd="0" destOrd="0" presId="urn:microsoft.com/office/officeart/2005/8/layout/hierarchy1"/>
-    <dgm:cxn modelId="{8F4538FD-00EF-6240-9107-FD1755D48A93}" type="presOf" srcId="{8D18F6E9-D6EB-41DE-9627-AA6689688D6F}" destId="{77984EA8-5F33-574D-9203-B2C1EAFD9E19}" srcOrd="0" destOrd="0" presId="urn:microsoft.com/office/officeart/2005/8/layout/hierarchy1"/>
-    <dgm:cxn modelId="{FE7C1555-35DF-1342-A94B-1CD0E045579A}" type="presParOf" srcId="{77984EA8-5F33-574D-9203-B2C1EAFD9E19}" destId="{1B1F3034-1846-CD42-B7A8-23F926682C2B}" srcOrd="0" destOrd="0" presId="urn:microsoft.com/office/officeart/2005/8/layout/hierarchy1"/>
-    <dgm:cxn modelId="{901D06D3-3AEF-654C-AB1C-3A91CCBA17ED}" type="presParOf" srcId="{1B1F3034-1846-CD42-B7A8-23F926682C2B}" destId="{9C535E9B-6488-F246-8137-B4324C915CCB}" srcOrd="0" destOrd="0" presId="urn:microsoft.com/office/officeart/2005/8/layout/hierarchy1"/>
-    <dgm:cxn modelId="{3BE53E83-F1F5-CA45-875B-EE78D8A657C1}" type="presParOf" srcId="{9C535E9B-6488-F246-8137-B4324C915CCB}" destId="{D71E12FA-477E-544A-AD00-63DE9B95586A}" srcOrd="0" destOrd="0" presId="urn:microsoft.com/office/officeart/2005/8/layout/hierarchy1"/>
-    <dgm:cxn modelId="{C48771B1-2F44-B548-8E3E-A2C65287126A}" type="presParOf" srcId="{9C535E9B-6488-F246-8137-B4324C915CCB}" destId="{74704ABB-2CCD-534A-B682-29C3B3EBA420}" srcOrd="1" destOrd="0" presId="urn:microsoft.com/office/officeart/2005/8/layout/hierarchy1"/>
-    <dgm:cxn modelId="{9F2E7302-514C-7140-A1A6-2414435694ED}" type="presParOf" srcId="{1B1F3034-1846-CD42-B7A8-23F926682C2B}" destId="{ECDA4CA9-A5FF-1744-A42E-D8BACD468420}" srcOrd="1" destOrd="0" presId="urn:microsoft.com/office/officeart/2005/8/layout/hierarchy1"/>
+    <dgm:cxn modelId="{385C0F8E-A9DE-6445-8EAB-02F2BB417C4D}" type="presParOf" srcId="{CA6C15E6-EB31-4E42-9A6B-051CBB4D104A}" destId="{B4974F5D-E305-D441-85F8-9F93BF758774}" srcOrd="0" destOrd="0" presId="urn:microsoft.com/office/officeart/2005/8/layout/hierarchy1"/>
+    <dgm:cxn modelId="{846427DB-BEFF-1449-B5CA-C12572105356}" type="presParOf" srcId="{B4974F5D-E305-D441-85F8-9F93BF758774}" destId="{9BEF6C37-9C00-E246-A679-BF6FC5F4EE5F}" srcOrd="0" destOrd="0" presId="urn:microsoft.com/office/officeart/2005/8/layout/hierarchy1"/>
+    <dgm:cxn modelId="{A6DA6C77-024E-E946-9E65-81B0F8C5C22B}" type="presParOf" srcId="{9BEF6C37-9C00-E246-A679-BF6FC5F4EE5F}" destId="{7E861FDE-678C-9747-BFF4-9A3EF9AC7BB9}" srcOrd="0" destOrd="0" presId="urn:microsoft.com/office/officeart/2005/8/layout/hierarchy1"/>
+    <dgm:cxn modelId="{33C3048B-2E49-2D41-A1D5-72809E316FD9}" type="presParOf" srcId="{9BEF6C37-9C00-E246-A679-BF6FC5F4EE5F}" destId="{5674223A-A6B3-E54E-A813-A01E2A454C07}" srcOrd="1" destOrd="0" presId="urn:microsoft.com/office/officeart/2005/8/layout/hierarchy1"/>
+    <dgm:cxn modelId="{A680185D-D765-C94D-B780-79176663FC99}" type="presParOf" srcId="{B4974F5D-E305-D441-85F8-9F93BF758774}" destId="{D0FD3B28-43E4-B944-985A-A5B686A21BC5}" srcOrd="1" destOrd="0" presId="urn:microsoft.com/office/officeart/2005/8/layout/hierarchy1"/>
   </dgm:cxnLst>
   <dgm:bg/>
   <dgm:whole/>
   <dgm:extLst>
     <a:ext uri="http://schemas.microsoft.com/office/drawing/2008/diagram">
-      <dsp:dataModelExt xmlns:dsp="http://schemas.microsoft.com/office/drawing/2008/diagram" relId="rId11" minVer="http://schemas.openxmlformats.org/drawingml/2006/diagram"/>
+      <dsp:dataModelExt xmlns:dsp="http://schemas.microsoft.com/office/drawing/2008/diagram" relId="rId10" minVer="http://schemas.openxmlformats.org/drawingml/2006/diagram"/>
     </a:ext>
   </dgm:extLst>
 </dgm:dataModel>
@@ -4472,15 +4472,15 @@
       <dsp:cNvGrpSpPr/>
     </dsp:nvGrpSpPr>
     <dsp:grpSpPr/>
-    <dsp:sp modelId="{D71E12FA-477E-544A-AD00-63DE9B95586A}">
+    <dsp:sp modelId="{7E861FDE-678C-9747-BFF4-9A3EF9AC7BB9}">
       <dsp:nvSpPr>
         <dsp:cNvPr id="0" name=""/>
         <dsp:cNvSpPr/>
       </dsp:nvSpPr>
       <dsp:spPr>
         <a:xfrm>
-          <a:off x="1662292" y="2134"/>
-          <a:ext cx="5471789" cy="3474586"/>
+          <a:off x="1222711" y="2024"/>
+          <a:ext cx="4819996" cy="3060698"/>
         </a:xfrm>
         <a:prstGeom prst="roundRect">
           <a:avLst>
@@ -4488,14 +4488,14 @@
           </a:avLst>
         </a:prstGeom>
         <a:solidFill>
-          <a:schemeClr val="accent1">
+          <a:schemeClr val="accent5">
             <a:hueOff val="0"/>
             <a:satOff val="0"/>
             <a:lumOff val="0"/>
             <a:alphaOff val="0"/>
           </a:schemeClr>
         </a:solidFill>
-        <a:ln w="19050" cap="rnd" cmpd="sng" algn="ctr">
+        <a:ln w="28575" cap="rnd" cmpd="sng" algn="ctr">
           <a:solidFill>
             <a:schemeClr val="lt1">
               <a:hueOff val="0"/>
@@ -4509,13 +4509,13 @@
         <a:effectLst/>
       </dsp:spPr>
       <dsp:style>
-        <a:lnRef idx="2">
+        <a:lnRef idx="3">
           <a:scrgbClr r="0" g="0" b="0"/>
         </a:lnRef>
         <a:fillRef idx="1">
           <a:scrgbClr r="0" g="0" b="0"/>
         </a:fillRef>
-        <a:effectRef idx="0">
+        <a:effectRef idx="1">
           <a:scrgbClr r="0" g="0" b="0"/>
         </a:effectRef>
         <a:fontRef idx="minor">
@@ -4523,15 +4523,15 @@
         </a:fontRef>
       </dsp:style>
     </dsp:sp>
-    <dsp:sp modelId="{74704ABB-2CCD-534A-B682-29C3B3EBA420}">
+    <dsp:sp modelId="{5674223A-A6B3-E54E-A813-A01E2A454C07}">
       <dsp:nvSpPr>
         <dsp:cNvPr id="0" name=""/>
         <dsp:cNvSpPr/>
       </dsp:nvSpPr>
       <dsp:spPr>
         <a:xfrm>
-          <a:off x="2270269" y="579712"/>
-          <a:ext cx="5471789" cy="3474586"/>
+          <a:off x="1758266" y="510802"/>
+          <a:ext cx="4819996" cy="3060698"/>
         </a:xfrm>
         <a:prstGeom prst="roundRect">
           <a:avLst>
@@ -4549,7 +4549,7 @@
         </a:solidFill>
         <a:ln w="19050" cap="rnd" cmpd="sng" algn="ctr">
           <a:solidFill>
-            <a:schemeClr val="accent1">
+            <a:schemeClr val="accent5">
               <a:hueOff val="0"/>
               <a:satOff val="0"/>
               <a:lumOff val="0"/>
@@ -4573,12 +4573,12 @@
         <a:fontRef idx="minor"/>
       </dsp:style>
       <dsp:txBody>
-        <a:bodyPr spcFirstLastPara="0" vert="horz" wrap="square" lIns="194310" tIns="194310" rIns="194310" bIns="194310" numCol="1" spcCol="1270" anchor="ctr" anchorCtr="0">
+        <a:bodyPr spcFirstLastPara="0" vert="horz" wrap="square" lIns="175260" tIns="175260" rIns="175260" bIns="175260" numCol="1" spcCol="1270" anchor="ctr" anchorCtr="0">
           <a:noAutofit/>
         </a:bodyPr>
         <a:lstStyle/>
         <a:p>
-          <a:pPr marL="0" lvl="0" indent="0" algn="ctr" defTabSz="2266950">
+          <a:pPr marL="0" lvl="0" indent="0" algn="ctr" defTabSz="2044700">
             <a:lnSpc>
               <a:spcPct val="90000"/>
             </a:lnSpc>
@@ -4591,14 +4591,14 @@
             <a:buNone/>
           </a:pPr>
           <a:r>
-            <a:rPr lang="en-US" sz="5100" kern="1200"/>
-            <a:t>WEEK 5 TARGET - INITIAL FEATURE EXTRACTION:</a:t>
+            <a:rPr lang="en-US" sz="4600" kern="1200" dirty="0"/>
+            <a:t>WEEK 5 TARGET -FEATURE EXTRACTION:</a:t>
           </a:r>
         </a:p>
       </dsp:txBody>
       <dsp:txXfrm>
-        <a:off x="2372036" y="681479"/>
-        <a:ext cx="5268255" cy="3271052"/>
+        <a:off x="1847911" y="600447"/>
+        <a:ext cx="4640706" cy="2881408"/>
       </dsp:txXfrm>
     </dsp:sp>
   </dsp:spTree>
@@ -6745,11 +6745,11 @@
 </file>
 
 <file path=ppt/diagrams/quickStyle1.xml><?xml version="1.0" encoding="utf-8"?>
-<dgm:styleDef xmlns:dgm="http://schemas.openxmlformats.org/drawingml/2006/diagram" xmlns:a="http://schemas.openxmlformats.org/drawingml/2006/main" uniqueId="urn:microsoft.com/office/officeart/2005/8/quickstyle/simple1">
+<dgm:styleDef xmlns:dgm="http://schemas.openxmlformats.org/drawingml/2006/diagram" xmlns:a="http://schemas.openxmlformats.org/drawingml/2006/main" uniqueId="urn:microsoft.com/office/officeart/2005/8/quickstyle/simple2">
   <dgm:title val=""/>
   <dgm:desc val=""/>
   <dgm:catLst>
-    <dgm:cat type="simple" pri="10100"/>
+    <dgm:cat type="simple" pri="10200"/>
   </dgm:catLst>
   <dgm:scene3d>
     <a:camera prst="orthographicFront"/>
@@ -6763,13 +6763,13 @@
     <dgm:sp3d/>
     <dgm:txPr/>
     <dgm:style>
-      <a:lnRef idx="2">
+      <a:lnRef idx="3">
         <a:scrgbClr r="0" g="0" b="0"/>
       </a:lnRef>
       <a:fillRef idx="1">
         <a:scrgbClr r="0" g="0" b="0"/>
       </a:fillRef>
-      <a:effectRef idx="0">
+      <a:effectRef idx="1">
         <a:scrgbClr r="0" g="0" b="0"/>
       </a:effectRef>
       <a:fontRef idx="minor">
@@ -6785,13 +6785,13 @@
     <dgm:sp3d/>
     <dgm:txPr/>
     <dgm:style>
-      <a:lnRef idx="2">
+      <a:lnRef idx="3">
         <a:scrgbClr r="0" g="0" b="0"/>
       </a:lnRef>
       <a:fillRef idx="1">
         <a:scrgbClr r="0" g="0" b="0"/>
       </a:fillRef>
-      <a:effectRef idx="0">
+      <a:effectRef idx="1">
         <a:scrgbClr r="0" g="0" b="0"/>
       </a:effectRef>
       <a:fontRef idx="minor">
@@ -6807,7 +6807,7 @@
     <dgm:sp3d/>
     <dgm:txPr/>
     <dgm:style>
-      <a:lnRef idx="2">
+      <a:lnRef idx="3">
         <a:scrgbClr r="0" g="0" b="0"/>
       </a:lnRef>
       <a:fillRef idx="1">
@@ -6835,7 +6835,7 @@
       <a:fillRef idx="1">
         <a:scrgbClr r="0" g="0" b="0"/>
       </a:fillRef>
-      <a:effectRef idx="0">
+      <a:effectRef idx="1">
         <a:scrgbClr r="0" g="0" b="0"/>
       </a:effectRef>
       <a:fontRef idx="minor">
@@ -6851,13 +6851,13 @@
     <dgm:sp3d/>
     <dgm:txPr/>
     <dgm:style>
-      <a:lnRef idx="2">
+      <a:lnRef idx="3">
         <a:scrgbClr r="0" g="0" b="0"/>
       </a:lnRef>
       <a:fillRef idx="1">
         <a:scrgbClr r="0" g="0" b="0"/>
       </a:fillRef>
-      <a:effectRef idx="0">
+      <a:effectRef idx="1">
         <a:scrgbClr r="0" g="0" b="0"/>
       </a:effectRef>
       <a:fontRef idx="minor">
@@ -6873,13 +6873,13 @@
     <dgm:sp3d/>
     <dgm:txPr/>
     <dgm:style>
-      <a:lnRef idx="2">
+      <a:lnRef idx="3">
         <a:scrgbClr r="0" g="0" b="0"/>
       </a:lnRef>
       <a:fillRef idx="1">
         <a:scrgbClr r="0" g="0" b="0"/>
       </a:fillRef>
-      <a:effectRef idx="0">
+      <a:effectRef idx="1">
         <a:scrgbClr r="0" g="0" b="0"/>
       </a:effectRef>
       <a:fontRef idx="minor">
@@ -6895,13 +6895,13 @@
     <dgm:sp3d/>
     <dgm:txPr/>
     <dgm:style>
-      <a:lnRef idx="2">
+      <a:lnRef idx="3">
         <a:scrgbClr r="0" g="0" b="0"/>
       </a:lnRef>
       <a:fillRef idx="1">
         <a:scrgbClr r="0" g="0" b="0"/>
       </a:fillRef>
-      <a:effectRef idx="0">
+      <a:effectRef idx="1">
         <a:scrgbClr r="0" g="0" b="0"/>
       </a:effectRef>
       <a:fontRef idx="minor">
@@ -6917,13 +6917,13 @@
     <dgm:sp3d/>
     <dgm:txPr/>
     <dgm:style>
-      <a:lnRef idx="2">
+      <a:lnRef idx="3">
         <a:scrgbClr r="0" g="0" b="0"/>
       </a:lnRef>
       <a:fillRef idx="1">
         <a:scrgbClr r="0" g="0" b="0"/>
       </a:fillRef>
-      <a:effectRef idx="0">
+      <a:effectRef idx="1">
         <a:scrgbClr r="0" g="0" b="0"/>
       </a:effectRef>
       <a:fontRef idx="minor">
@@ -6939,13 +6939,13 @@
     <dgm:sp3d/>
     <dgm:txPr/>
     <dgm:style>
-      <a:lnRef idx="2">
+      <a:lnRef idx="3">
         <a:scrgbClr r="0" g="0" b="0"/>
       </a:lnRef>
       <a:fillRef idx="1">
         <a:scrgbClr r="0" g="0" b="0"/>
       </a:fillRef>
-      <a:effectRef idx="0">
+      <a:effectRef idx="1">
         <a:scrgbClr r="0" g="0" b="0"/>
       </a:effectRef>
       <a:fontRef idx="minor"/>
@@ -6959,13 +6959,13 @@
     <dgm:sp3d/>
     <dgm:txPr/>
     <dgm:style>
-      <a:lnRef idx="2">
+      <a:lnRef idx="3">
         <a:scrgbClr r="0" g="0" b="0"/>
       </a:lnRef>
       <a:fillRef idx="1">
         <a:scrgbClr r="0" g="0" b="0"/>
       </a:fillRef>
-      <a:effectRef idx="0">
+      <a:effectRef idx="1">
         <a:scrgbClr r="0" g="0" b="0"/>
       </a:effectRef>
       <a:fontRef idx="minor"/>
@@ -6979,13 +6979,13 @@
     <dgm:sp3d/>
     <dgm:txPr/>
     <dgm:style>
-      <a:lnRef idx="2">
+      <a:lnRef idx="3">
         <a:scrgbClr r="0" g="0" b="0"/>
       </a:lnRef>
       <a:fillRef idx="1">
         <a:scrgbClr r="0" g="0" b="0"/>
       </a:fillRef>
-      <a:effectRef idx="0">
+      <a:effectRef idx="1">
         <a:scrgbClr r="0" g="0" b="0"/>
       </a:effectRef>
       <a:fontRef idx="minor"/>
@@ -7005,7 +7005,7 @@
       <a:fillRef idx="1">
         <a:scrgbClr r="0" g="0" b="0"/>
       </a:fillRef>
-      <a:effectRef idx="0">
+      <a:effectRef idx="1">
         <a:scrgbClr r="0" g="0" b="0"/>
       </a:effectRef>
       <a:fontRef idx="minor">
@@ -7027,7 +7027,7 @@
       <a:fillRef idx="1">
         <a:scrgbClr r="0" g="0" b="0"/>
       </a:fillRef>
-      <a:effectRef idx="0">
+      <a:effectRef idx="1">
         <a:scrgbClr r="0" g="0" b="0"/>
       </a:effectRef>
       <a:fontRef idx="minor">
@@ -7049,7 +7049,7 @@
       <a:fillRef idx="1">
         <a:scrgbClr r="0" g="0" b="0"/>
       </a:fillRef>
-      <a:effectRef idx="0">
+      <a:effectRef idx="1">
         <a:scrgbClr r="0" g="0" b="0"/>
       </a:effectRef>
       <a:fontRef idx="minor">
@@ -7091,7 +7091,7 @@
       <a:fillRef idx="1">
         <a:scrgbClr r="0" g="0" b="0"/>
       </a:fillRef>
-      <a:effectRef idx="0">
+      <a:effectRef idx="1">
         <a:scrgbClr r="0" g="0" b="0"/>
       </a:effectRef>
       <a:fontRef idx="minor"/>
@@ -7105,13 +7105,13 @@
     <dgm:sp3d/>
     <dgm:txPr/>
     <dgm:style>
-      <a:lnRef idx="2">
+      <a:lnRef idx="3">
         <a:scrgbClr r="0" g="0" b="0"/>
       </a:lnRef>
       <a:fillRef idx="1">
         <a:scrgbClr r="0" g="0" b="0"/>
       </a:fillRef>
-      <a:effectRef idx="0">
+      <a:effectRef idx="1">
         <a:scrgbClr r="0" g="0" b="0"/>
       </a:effectRef>
       <a:fontRef idx="minor">
@@ -7127,13 +7127,13 @@
     <dgm:sp3d/>
     <dgm:txPr/>
     <dgm:style>
-      <a:lnRef idx="2">
+      <a:lnRef idx="3">
         <a:scrgbClr r="0" g="0" b="0"/>
       </a:lnRef>
       <a:fillRef idx="1">
         <a:scrgbClr r="0" g="0" b="0"/>
       </a:fillRef>
-      <a:effectRef idx="0">
+      <a:effectRef idx="1">
         <a:scrgbClr r="0" g="0" b="0"/>
       </a:effectRef>
       <a:fontRef idx="minor">
@@ -7149,13 +7149,13 @@
     <dgm:sp3d/>
     <dgm:txPr/>
     <dgm:style>
-      <a:lnRef idx="2">
+      <a:lnRef idx="3">
         <a:scrgbClr r="0" g="0" b="0"/>
       </a:lnRef>
       <a:fillRef idx="1">
         <a:scrgbClr r="0" g="0" b="0"/>
       </a:fillRef>
-      <a:effectRef idx="0">
+      <a:effectRef idx="1">
         <a:scrgbClr r="0" g="0" b="0"/>
       </a:effectRef>
       <a:fontRef idx="minor">
@@ -7171,13 +7171,13 @@
     <dgm:sp3d/>
     <dgm:txPr/>
     <dgm:style>
-      <a:lnRef idx="2">
+      <a:lnRef idx="3">
         <a:scrgbClr r="0" g="0" b="0"/>
       </a:lnRef>
       <a:fillRef idx="1">
         <a:scrgbClr r="0" g="0" b="0"/>
       </a:fillRef>
-      <a:effectRef idx="0">
+      <a:effectRef idx="1">
         <a:scrgbClr r="0" g="0" b="0"/>
       </a:effectRef>
       <a:fontRef idx="minor">
@@ -7193,13 +7193,13 @@
     <dgm:sp3d/>
     <dgm:txPr/>
     <dgm:style>
-      <a:lnRef idx="2">
+      <a:lnRef idx="3">
         <a:scrgbClr r="0" g="0" b="0"/>
       </a:lnRef>
       <a:fillRef idx="1">
         <a:scrgbClr r="0" g="0" b="0"/>
       </a:fillRef>
-      <a:effectRef idx="0">
+      <a:effectRef idx="1">
         <a:scrgbClr r="0" g="0" b="0"/>
       </a:effectRef>
       <a:fontRef idx="minor">
@@ -7215,13 +7215,13 @@
     <dgm:sp3d/>
     <dgm:txPr/>
     <dgm:style>
-      <a:lnRef idx="2">
+      <a:lnRef idx="3">
         <a:scrgbClr r="0" g="0" b="0"/>
       </a:lnRef>
       <a:fillRef idx="1">
         <a:scrgbClr r="0" g="0" b="0"/>
       </a:fillRef>
-      <a:effectRef idx="0">
+      <a:effectRef idx="1">
         <a:scrgbClr r="0" g="0" b="0"/>
       </a:effectRef>
       <a:fontRef idx="minor">
@@ -7237,13 +7237,13 @@
     <dgm:sp3d/>
     <dgm:txPr/>
     <dgm:style>
-      <a:lnRef idx="2">
+      <a:lnRef idx="3">
         <a:scrgbClr r="0" g="0" b="0"/>
       </a:lnRef>
       <a:fillRef idx="1">
         <a:scrgbClr r="0" g="0" b="0"/>
       </a:fillRef>
-      <a:effectRef idx="0">
+      <a:effectRef idx="1">
         <a:scrgbClr r="0" g="0" b="0"/>
       </a:effectRef>
       <a:fontRef idx="minor">
@@ -7259,13 +7259,13 @@
     <dgm:sp3d/>
     <dgm:txPr/>
     <dgm:style>
-      <a:lnRef idx="2">
+      <a:lnRef idx="3">
         <a:scrgbClr r="0" g="0" b="0"/>
       </a:lnRef>
       <a:fillRef idx="1">
         <a:scrgbClr r="0" g="0" b="0"/>
       </a:fillRef>
-      <a:effectRef idx="0">
+      <a:effectRef idx="1">
         <a:scrgbClr r="0" g="0" b="0"/>
       </a:effectRef>
       <a:fontRef idx="minor">
@@ -7281,13 +7281,13 @@
     <dgm:sp3d/>
     <dgm:txPr/>
     <dgm:style>
-      <a:lnRef idx="2">
+      <a:lnRef idx="3">
         <a:scrgbClr r="0" g="0" b="0"/>
       </a:lnRef>
       <a:fillRef idx="1">
         <a:scrgbClr r="0" g="0" b="0"/>
       </a:fillRef>
-      <a:effectRef idx="0">
+      <a:effectRef idx="1">
         <a:scrgbClr r="0" g="0" b="0"/>
       </a:effectRef>
       <a:fontRef idx="minor">
@@ -7743,13 +7743,13 @@
     <dgm:sp3d/>
     <dgm:txPr/>
     <dgm:style>
-      <a:lnRef idx="2">
+      <a:lnRef idx="3">
         <a:scrgbClr r="0" g="0" b="0"/>
       </a:lnRef>
       <a:fillRef idx="1">
         <a:scrgbClr r="0" g="0" b="0"/>
       </a:fillRef>
-      <a:effectRef idx="0">
+      <a:effectRef idx="1">
         <a:scrgbClr r="0" g="0" b="0"/>
       </a:effectRef>
       <a:fontRef idx="minor"/>
@@ -19057,25 +19057,9 @@
   <p:cSld>
     <p:bg>
       <p:bgPr>
-        <a:blipFill rotWithShape="1">
-          <a:blip r:embed="rId2">
-            <a:duotone>
-              <a:schemeClr val="bg2">
-                <a:shade val="69000"/>
-                <a:hueMod val="108000"/>
-                <a:satMod val="164000"/>
-                <a:lumMod val="74000"/>
-              </a:schemeClr>
-              <a:schemeClr val="bg2">
-                <a:tint val="96000"/>
-                <a:hueMod val="88000"/>
-                <a:satMod val="140000"/>
-                <a:lumMod val="132000"/>
-              </a:schemeClr>
-            </a:duotone>
-          </a:blip>
-          <a:stretch/>
-        </a:blipFill>
+        <a:solidFill>
+          <a:schemeClr val="bg1"/>
+        </a:solidFill>
         <a:effectLst/>
       </p:bgPr>
     </p:bg>
@@ -19095,10 +19079,54 @@
       </p:grpSpPr>
       <p:pic>
         <p:nvPicPr>
-          <p:cNvPr id="9" name="Picture 8">
+          <p:cNvPr id="24" name="Picture 23">
             <a:extLst>
               <a:ext uri="{FF2B5EF4-FFF2-40B4-BE49-F238E27FC236}">
-                <a16:creationId xmlns:a16="http://schemas.microsoft.com/office/drawing/2014/main" id="{F1B8F9CB-890B-4CB8-B503-188A763E2FC1}"/>
+                <a16:creationId xmlns:a16="http://schemas.microsoft.com/office/drawing/2014/main" id="{41B68C77-138E-4BF7-A276-BD0C78A4219F}"/>
+              </a:ext>
+              <a:ext uri="{C183D7F6-B498-43B3-948B-1728B52AA6E4}">
+                <adec:decorative xmlns:adec="http://schemas.microsoft.com/office/drawing/2017/decorative" val="1"/>
+              </a:ext>
+            </a:extLst>
+          </p:cNvPr>
+          <p:cNvPicPr>
+            <a:picLocks noGrp="1" noRot="1" noChangeAspect="1" noMove="1" noResize="1" noEditPoints="1" noAdjustHandles="1" noChangeArrowheads="1" noChangeShapeType="1" noCrop="1"/>
+          </p:cNvPicPr>
+          <p:nvPr>
+            <p:extLst>
+              <p:ext uri="{386F3935-93C4-4BCD-93E2-E3B085C9AB24}">
+                <p16:designElem xmlns:p16="http://schemas.microsoft.com/office/powerpoint/2015/main" val="1"/>
+              </p:ext>
+            </p:extLst>
+          </p:nvPr>
+        </p:nvPicPr>
+        <p:blipFill rotWithShape="1">
+          <a:blip r:embed="rId2">
+            <a:extLst>
+              <a:ext uri="{28A0092B-C50C-407E-A947-70E740481C1C}">
+                <a14:useLocalDpi xmlns:a14="http://schemas.microsoft.com/office/drawing/2010/main" val="0"/>
+              </a:ext>
+            </a:extLst>
+          </a:blip>
+          <a:srcRect l="3613"/>
+          <a:stretch/>
+        </p:blipFill>
+        <p:spPr>
+          <a:xfrm>
+            <a:off x="0" y="2669685"/>
+            <a:ext cx="4037012" cy="4188315"/>
+          </a:xfrm>
+          <a:prstGeom prst="rect">
+            <a:avLst/>
+          </a:prstGeom>
+        </p:spPr>
+      </p:pic>
+      <p:pic>
+        <p:nvPicPr>
+          <p:cNvPr id="26" name="Picture 25">
+            <a:extLst>
+              <a:ext uri="{FF2B5EF4-FFF2-40B4-BE49-F238E27FC236}">
+                <a16:creationId xmlns:a16="http://schemas.microsoft.com/office/drawing/2014/main" id="{7C268552-D473-46ED-B1B8-422042C4DEF1}"/>
               </a:ext>
               <a:ext uri="{C183D7F6-B498-43B3-948B-1728B52AA6E4}">
                 <adec:decorative xmlns:adec="http://schemas.microsoft.com/office/drawing/2017/decorative" val="1"/>
@@ -19124,50 +19152,6 @@
               </a:ext>
             </a:extLst>
           </a:blip>
-          <a:srcRect l="3613"/>
-          <a:stretch/>
-        </p:blipFill>
-        <p:spPr>
-          <a:xfrm>
-            <a:off x="0" y="2669685"/>
-            <a:ext cx="4037012" cy="4188315"/>
-          </a:xfrm>
-          <a:prstGeom prst="rect">
-            <a:avLst/>
-          </a:prstGeom>
-        </p:spPr>
-      </p:pic>
-      <p:pic>
-        <p:nvPicPr>
-          <p:cNvPr id="11" name="Picture 10">
-            <a:extLst>
-              <a:ext uri="{FF2B5EF4-FFF2-40B4-BE49-F238E27FC236}">
-                <a16:creationId xmlns:a16="http://schemas.microsoft.com/office/drawing/2014/main" id="{AA632AB4-3837-4FD0-8B62-0A18B573F46D}"/>
-              </a:ext>
-              <a:ext uri="{C183D7F6-B498-43B3-948B-1728B52AA6E4}">
-                <adec:decorative xmlns:adec="http://schemas.microsoft.com/office/drawing/2017/decorative" val="1"/>
-              </a:ext>
-            </a:extLst>
-          </p:cNvPr>
-          <p:cNvPicPr>
-            <a:picLocks noGrp="1" noRot="1" noChangeAspect="1" noMove="1" noResize="1" noEditPoints="1" noAdjustHandles="1" noChangeArrowheads="1" noChangeShapeType="1" noCrop="1"/>
-          </p:cNvPicPr>
-          <p:nvPr>
-            <p:extLst>
-              <p:ext uri="{386F3935-93C4-4BCD-93E2-E3B085C9AB24}">
-                <p16:designElem xmlns:p16="http://schemas.microsoft.com/office/powerpoint/2015/main" val="1"/>
-              </p:ext>
-            </p:extLst>
-          </p:nvPr>
-        </p:nvPicPr>
-        <p:blipFill rotWithShape="1">
-          <a:blip r:embed="rId4">
-            <a:extLst>
-              <a:ext uri="{28A0092B-C50C-407E-A947-70E740481C1C}">
-                <a14:useLocalDpi xmlns:a14="http://schemas.microsoft.com/office/drawing/2010/main" val="0"/>
-              </a:ext>
-            </a:extLst>
-          </a:blip>
           <a:srcRect l="35640"/>
           <a:stretch/>
         </p:blipFill>
@@ -19183,10 +19167,10 @@
       </p:pic>
       <p:sp>
         <p:nvSpPr>
-          <p:cNvPr id="13" name="Oval 12">
+          <p:cNvPr id="28" name="Oval 27">
             <a:extLst>
               <a:ext uri="{FF2B5EF4-FFF2-40B4-BE49-F238E27FC236}">
-                <a16:creationId xmlns:a16="http://schemas.microsoft.com/office/drawing/2014/main" id="{C393B4A7-6ABF-423D-A762-3CDB4897A833}"/>
+                <a16:creationId xmlns:a16="http://schemas.microsoft.com/office/drawing/2014/main" id="{4AC0CD9D-7610-4620-93B4-798CCD9AB581}"/>
               </a:ext>
               <a:ext uri="{C183D7F6-B498-43B3-948B-1728B52AA6E4}">
                 <adec:decorative xmlns:adec="http://schemas.microsoft.com/office/drawing/2017/decorative" val="1"/>
@@ -19270,10 +19254,54 @@
       </p:sp>
       <p:pic>
         <p:nvPicPr>
-          <p:cNvPr id="15" name="Picture 14">
+          <p:cNvPr id="30" name="Picture 29">
             <a:extLst>
               <a:ext uri="{FF2B5EF4-FFF2-40B4-BE49-F238E27FC236}">
-                <a16:creationId xmlns:a16="http://schemas.microsoft.com/office/drawing/2014/main" id="{9CD2319A-6FA9-4EFB-9EDF-7304467425E8}"/>
+                <a16:creationId xmlns:a16="http://schemas.microsoft.com/office/drawing/2014/main" id="{B9238B3E-24AA-439A-B527-6C5DF6D72145}"/>
+              </a:ext>
+              <a:ext uri="{C183D7F6-B498-43B3-948B-1728B52AA6E4}">
+                <adec:decorative xmlns:adec="http://schemas.microsoft.com/office/drawing/2017/decorative" val="1"/>
+              </a:ext>
+            </a:extLst>
+          </p:cNvPr>
+          <p:cNvPicPr>
+            <a:picLocks noGrp="1" noRot="1" noChangeAspect="1" noMove="1" noResize="1" noEditPoints="1" noAdjustHandles="1" noChangeArrowheads="1" noChangeShapeType="1" noCrop="1"/>
+          </p:cNvPicPr>
+          <p:nvPr>
+            <p:extLst>
+              <p:ext uri="{386F3935-93C4-4BCD-93E2-E3B085C9AB24}">
+                <p16:designElem xmlns:p16="http://schemas.microsoft.com/office/powerpoint/2015/main" val="1"/>
+              </p:ext>
+            </p:extLst>
+          </p:nvPr>
+        </p:nvPicPr>
+        <p:blipFill rotWithShape="1">
+          <a:blip r:embed="rId4">
+            <a:extLst>
+              <a:ext uri="{28A0092B-C50C-407E-A947-70E740481C1C}">
+                <a14:useLocalDpi xmlns:a14="http://schemas.microsoft.com/office/drawing/2010/main" val="0"/>
+              </a:ext>
+            </a:extLst>
+          </a:blip>
+          <a:srcRect t="28813"/>
+          <a:stretch/>
+        </p:blipFill>
+        <p:spPr>
+          <a:xfrm>
+            <a:off x="7999412" y="0"/>
+            <a:ext cx="1603387" cy="1141407"/>
+          </a:xfrm>
+          <a:prstGeom prst="rect">
+            <a:avLst/>
+          </a:prstGeom>
+        </p:spPr>
+      </p:pic>
+      <p:pic>
+        <p:nvPicPr>
+          <p:cNvPr id="32" name="Picture 31">
+            <a:extLst>
+              <a:ext uri="{FF2B5EF4-FFF2-40B4-BE49-F238E27FC236}">
+                <a16:creationId xmlns:a16="http://schemas.microsoft.com/office/drawing/2014/main" id="{69F01145-BEA3-4CBF-AA21-10077B948CA8}"/>
               </a:ext>
               <a:ext uri="{C183D7F6-B498-43B3-948B-1728B52AA6E4}">
                 <adec:decorative xmlns:adec="http://schemas.microsoft.com/office/drawing/2017/decorative" val="1"/>
@@ -19299,50 +19327,6 @@
               </a:ext>
             </a:extLst>
           </a:blip>
-          <a:srcRect t="28813"/>
-          <a:stretch/>
-        </p:blipFill>
-        <p:spPr>
-          <a:xfrm>
-            <a:off x="7999412" y="0"/>
-            <a:ext cx="1603387" cy="1141407"/>
-          </a:xfrm>
-          <a:prstGeom prst="rect">
-            <a:avLst/>
-          </a:prstGeom>
-        </p:spPr>
-      </p:pic>
-      <p:pic>
-        <p:nvPicPr>
-          <p:cNvPr id="17" name="Picture 16">
-            <a:extLst>
-              <a:ext uri="{FF2B5EF4-FFF2-40B4-BE49-F238E27FC236}">
-                <a16:creationId xmlns:a16="http://schemas.microsoft.com/office/drawing/2014/main" id="{D1692A93-3514-4486-8B67-CCA4E0259BCB}"/>
-              </a:ext>
-              <a:ext uri="{C183D7F6-B498-43B3-948B-1728B52AA6E4}">
-                <adec:decorative xmlns:adec="http://schemas.microsoft.com/office/drawing/2017/decorative" val="1"/>
-              </a:ext>
-            </a:extLst>
-          </p:cNvPr>
-          <p:cNvPicPr>
-            <a:picLocks noGrp="1" noRot="1" noChangeAspect="1" noMove="1" noResize="1" noEditPoints="1" noAdjustHandles="1" noChangeArrowheads="1" noChangeShapeType="1" noCrop="1"/>
-          </p:cNvPicPr>
-          <p:nvPr>
-            <p:extLst>
-              <p:ext uri="{386F3935-93C4-4BCD-93E2-E3B085C9AB24}">
-                <p16:designElem xmlns:p16="http://schemas.microsoft.com/office/powerpoint/2015/main" val="1"/>
-              </p:ext>
-            </p:extLst>
-          </p:nvPr>
-        </p:nvPicPr>
-        <p:blipFill rotWithShape="1">
-          <a:blip r:embed="rId6">
-            <a:extLst>
-              <a:ext uri="{28A0092B-C50C-407E-A947-70E740481C1C}">
-                <a14:useLocalDpi xmlns:a14="http://schemas.microsoft.com/office/drawing/2010/main" val="0"/>
-              </a:ext>
-            </a:extLst>
-          </a:blip>
           <a:srcRect b="23320"/>
           <a:stretch/>
         </p:blipFill>
@@ -19358,10 +19342,10 @@
       </p:pic>
       <p:sp>
         <p:nvSpPr>
-          <p:cNvPr id="19" name="Rectangle 18">
+          <p:cNvPr id="34" name="Rectangle 33">
             <a:extLst>
               <a:ext uri="{FF2B5EF4-FFF2-40B4-BE49-F238E27FC236}">
-                <a16:creationId xmlns:a16="http://schemas.microsoft.com/office/drawing/2014/main" id="{01AD250C-F2EA-449F-9B14-DF5BB674C500}"/>
+                <a16:creationId xmlns:a16="http://schemas.microsoft.com/office/drawing/2014/main" id="{DE4D62F9-188E-4530-84C2-24BDEE4BEB82}"/>
               </a:ext>
               <a:ext uri="{C183D7F6-B498-43B3-948B-1728B52AA6E4}">
                 <adec:decorative xmlns:adec="http://schemas.microsoft.com/office/drawing/2017/decorative" val="1"/>
@@ -19416,6 +19400,960 @@
           </a:p>
         </p:txBody>
       </p:sp>
+      <p:sp>
+        <p:nvSpPr>
+          <p:cNvPr id="36" name="Rectangle 35">
+            <a:extLst>
+              <a:ext uri="{FF2B5EF4-FFF2-40B4-BE49-F238E27FC236}">
+                <a16:creationId xmlns:a16="http://schemas.microsoft.com/office/drawing/2014/main" id="{14A2F755-5219-4C4E-9378-2C80BB08DF8E}"/>
+              </a:ext>
+              <a:ext uri="{C183D7F6-B498-43B3-948B-1728B52AA6E4}">
+                <adec:decorative xmlns:adec="http://schemas.microsoft.com/office/drawing/2017/decorative" val="1"/>
+              </a:ext>
+            </a:extLst>
+          </p:cNvPr>
+          <p:cNvSpPr>
+            <a:spLocks noGrp="1" noRot="1" noChangeAspect="1" noMove="1" noResize="1" noEditPoints="1" noAdjustHandles="1" noChangeArrowheads="1" noChangeShapeType="1" noTextEdit="1"/>
+          </p:cNvSpPr>
+          <p:nvPr>
+            <p:extLst>
+              <p:ext uri="{386F3935-93C4-4BCD-93E2-E3B085C9AB24}">
+                <p16:designElem xmlns:p16="http://schemas.microsoft.com/office/powerpoint/2015/main" val="1"/>
+              </p:ext>
+            </p:extLst>
+          </p:nvPr>
+        </p:nvSpPr>
+        <p:spPr>
+          <a:xfrm>
+            <a:off x="0" y="0"/>
+            <a:ext cx="12192000" cy="6858000"/>
+          </a:xfrm>
+          <a:prstGeom prst="rect">
+            <a:avLst/>
+          </a:prstGeom>
+          <a:ln>
+            <a:noFill/>
+          </a:ln>
+        </p:spPr>
+        <p:style>
+          <a:lnRef idx="2">
+            <a:schemeClr val="accent1">
+              <a:shade val="50000"/>
+            </a:schemeClr>
+          </a:lnRef>
+          <a:fillRef idx="1003">
+            <a:schemeClr val="dk2"/>
+          </a:fillRef>
+          <a:effectRef idx="0">
+            <a:schemeClr val="accent1"/>
+          </a:effectRef>
+          <a:fontRef idx="minor">
+            <a:schemeClr val="lt1"/>
+          </a:fontRef>
+        </p:style>
+        <p:txBody>
+          <a:bodyPr rtlCol="0" anchor="ctr"/>
+          <a:lstStyle/>
+          <a:p>
+            <a:pPr algn="ctr"/>
+            <a:endParaRPr lang="en-US"/>
+          </a:p>
+        </p:txBody>
+      </p:sp>
+      <p:sp>
+        <p:nvSpPr>
+          <p:cNvPr id="38" name="Rectangle 37">
+            <a:extLst>
+              <a:ext uri="{FF2B5EF4-FFF2-40B4-BE49-F238E27FC236}">
+                <a16:creationId xmlns:a16="http://schemas.microsoft.com/office/drawing/2014/main" id="{BA042B41-CFBF-4E11-965F-B1906826A847}"/>
+              </a:ext>
+              <a:ext uri="{C183D7F6-B498-43B3-948B-1728B52AA6E4}">
+                <adec:decorative xmlns:adec="http://schemas.microsoft.com/office/drawing/2017/decorative" val="1"/>
+              </a:ext>
+            </a:extLst>
+          </p:cNvPr>
+          <p:cNvSpPr>
+            <a:spLocks noGrp="1" noRot="1" noChangeAspect="1" noMove="1" noResize="1" noEditPoints="1" noAdjustHandles="1" noChangeArrowheads="1" noChangeShapeType="1" noTextEdit="1"/>
+          </p:cNvSpPr>
+          <p:nvPr>
+            <p:extLst>
+              <p:ext uri="{386F3935-93C4-4BCD-93E2-E3B085C9AB24}">
+                <p16:designElem xmlns:p16="http://schemas.microsoft.com/office/powerpoint/2015/main" val="1"/>
+              </p:ext>
+            </p:extLst>
+          </p:nvPr>
+        </p:nvSpPr>
+        <p:spPr>
+          <a:xfrm>
+            <a:off x="10442448" y="0"/>
+            <a:ext cx="685800" cy="1143000"/>
+          </a:xfrm>
+          <a:prstGeom prst="rect">
+            <a:avLst/>
+          </a:prstGeom>
+          <a:solidFill>
+            <a:schemeClr val="accent1"/>
+          </a:solidFill>
+          <a:ln>
+            <a:noFill/>
+          </a:ln>
+        </p:spPr>
+        <p:style>
+          <a:lnRef idx="1">
+            <a:schemeClr val="accent1"/>
+          </a:lnRef>
+          <a:fillRef idx="3">
+            <a:schemeClr val="accent1"/>
+          </a:fillRef>
+          <a:effectRef idx="2">
+            <a:schemeClr val="accent1"/>
+          </a:effectRef>
+          <a:fontRef idx="minor">
+            <a:schemeClr val="lt1"/>
+          </a:fontRef>
+        </p:style>
+        <p:txBody>
+          <a:bodyPr/>
+          <a:lstStyle/>
+          <a:p>
+            <a:endParaRPr lang="en-US"/>
+          </a:p>
+        </p:txBody>
+      </p:sp>
+      <p:sp>
+        <p:nvSpPr>
+          <p:cNvPr id="40" name="Freeform 7">
+            <a:extLst>
+              <a:ext uri="{FF2B5EF4-FFF2-40B4-BE49-F238E27FC236}">
+                <a16:creationId xmlns:a16="http://schemas.microsoft.com/office/drawing/2014/main" id="{ED9FFD70-7E69-43F7-BAFF-08A75B3AE097}"/>
+              </a:ext>
+              <a:ext uri="{C183D7F6-B498-43B3-948B-1728B52AA6E4}">
+                <adec:decorative xmlns:adec="http://schemas.microsoft.com/office/drawing/2017/decorative" val="1"/>
+              </a:ext>
+            </a:extLst>
+          </p:cNvPr>
+          <p:cNvSpPr>
+            <a:spLocks noGrp="1" noRot="1" noChangeAspect="1" noMove="1" noResize="1" noEditPoints="1" noAdjustHandles="1" noChangeArrowheads="1" noChangeShapeType="1" noTextEdit="1"/>
+          </p:cNvSpPr>
+          <p:nvPr>
+            <p:extLst>
+              <p:ext uri="{386F3935-93C4-4BCD-93E2-E3B085C9AB24}">
+                <p16:designElem xmlns:p16="http://schemas.microsoft.com/office/powerpoint/2015/main" val="1"/>
+              </p:ext>
+            </p:extLst>
+          </p:nvPr>
+        </p:nvSpPr>
+        <p:spPr>
+          <a:xfrm>
+            <a:off x="8719939" y="1460230"/>
+            <a:ext cx="3472060" cy="825932"/>
+          </a:xfrm>
+          <a:custGeom>
+            <a:avLst/>
+            <a:gdLst>
+              <a:gd name="connsiteX0" fmla="*/ 3470310 w 3472060"/>
+              <a:gd name="connsiteY0" fmla="*/ 0 h 825932"/>
+              <a:gd name="connsiteX1" fmla="*/ 3472060 w 3472060"/>
+              <a:gd name="connsiteY1" fmla="*/ 12850 h 825932"/>
+              <a:gd name="connsiteX2" fmla="*/ 3472060 w 3472060"/>
+              <a:gd name="connsiteY2" fmla="*/ 480529 h 825932"/>
+              <a:gd name="connsiteX3" fmla="*/ 3363699 w 3472060"/>
+              <a:gd name="connsiteY3" fmla="*/ 498471 h 825932"/>
+              <a:gd name="connsiteX4" fmla="*/ 42060 w 3472060"/>
+              <a:gd name="connsiteY4" fmla="*/ 824486 h 825932"/>
+              <a:gd name="connsiteX5" fmla="*/ 0 w 3472060"/>
+              <a:gd name="connsiteY5" fmla="*/ 758452 h 825932"/>
+              <a:gd name="connsiteX6" fmla="*/ 188014 w 3472060"/>
+              <a:gd name="connsiteY6" fmla="*/ 735602 h 825932"/>
+              <a:gd name="connsiteX7" fmla="*/ 284087 w 3472060"/>
+              <a:gd name="connsiteY7" fmla="*/ 722590 h 825932"/>
+              <a:gd name="connsiteX8" fmla="*/ 382288 w 3472060"/>
+              <a:gd name="connsiteY8" fmla="*/ 709392 h 825932"/>
+              <a:gd name="connsiteX9" fmla="*/ 481858 w 3472060"/>
+              <a:gd name="connsiteY9" fmla="*/ 695774 h 825932"/>
+              <a:gd name="connsiteX10" fmla="*/ 581897 w 3472060"/>
+              <a:gd name="connsiteY10" fmla="*/ 680711 h 825932"/>
+              <a:gd name="connsiteX11" fmla="*/ 683670 w 3472060"/>
+              <a:gd name="connsiteY11" fmla="*/ 665256 h 825932"/>
+              <a:gd name="connsiteX12" fmla="*/ 787206 w 3472060"/>
+              <a:gd name="connsiteY12" fmla="*/ 649587 h 825932"/>
+              <a:gd name="connsiteX13" fmla="*/ 892019 w 3472060"/>
+              <a:gd name="connsiteY13" fmla="*/ 632968 h 825932"/>
+              <a:gd name="connsiteX14" fmla="*/ 997620 w 3472060"/>
+              <a:gd name="connsiteY14" fmla="*/ 614667 h 825932"/>
+              <a:gd name="connsiteX15" fmla="*/ 1104727 w 3472060"/>
+              <a:gd name="connsiteY15" fmla="*/ 596741 h 825932"/>
+              <a:gd name="connsiteX16" fmla="*/ 1212669 w 3472060"/>
+              <a:gd name="connsiteY16" fmla="*/ 577397 h 825932"/>
+              <a:gd name="connsiteX17" fmla="*/ 1321506 w 3472060"/>
+              <a:gd name="connsiteY17" fmla="*/ 556988 h 825932"/>
+              <a:gd name="connsiteX18" fmla="*/ 1430709 w 3472060"/>
+              <a:gd name="connsiteY18" fmla="*/ 536607 h 825932"/>
+              <a:gd name="connsiteX19" fmla="*/ 1541050 w 3472060"/>
+              <a:gd name="connsiteY19" fmla="*/ 514481 h 825932"/>
+              <a:gd name="connsiteX20" fmla="*/ 1652805 w 3472060"/>
+              <a:gd name="connsiteY20" fmla="*/ 492202 h 825932"/>
+              <a:gd name="connsiteX21" fmla="*/ 1763708 w 3472060"/>
+              <a:gd name="connsiteY21" fmla="*/ 469161 h 825932"/>
+              <a:gd name="connsiteX22" fmla="*/ 1875795 w 3472060"/>
+              <a:gd name="connsiteY22" fmla="*/ 444641 h 825932"/>
+              <a:gd name="connsiteX23" fmla="*/ 1989128 w 3472060"/>
+              <a:gd name="connsiteY23" fmla="*/ 418995 h 825932"/>
+              <a:gd name="connsiteX24" fmla="*/ 2102476 w 3472060"/>
+              <a:gd name="connsiteY24" fmla="*/ 393438 h 825932"/>
+              <a:gd name="connsiteX25" fmla="*/ 2215549 w 3472060"/>
+              <a:gd name="connsiteY25" fmla="*/ 366291 h 825932"/>
+              <a:gd name="connsiteX26" fmla="*/ 2330490 w 3472060"/>
+              <a:gd name="connsiteY26" fmla="*/ 337455 h 825932"/>
+              <a:gd name="connsiteX27" fmla="*/ 2443333 w 3472060"/>
+              <a:gd name="connsiteY27" fmla="*/ 308983 h 825932"/>
+              <a:gd name="connsiteX28" fmla="*/ 2558014 w 3472060"/>
+              <a:gd name="connsiteY28" fmla="*/ 278646 h 825932"/>
+              <a:gd name="connsiteX29" fmla="*/ 2673621 w 3472060"/>
+              <a:gd name="connsiteY29" fmla="*/ 247421 h 825932"/>
+              <a:gd name="connsiteX30" fmla="*/ 2787008 w 3472060"/>
+              <a:gd name="connsiteY30" fmla="*/ 215853 h 825932"/>
+              <a:gd name="connsiteX31" fmla="*/ 2901442 w 3472060"/>
+              <a:gd name="connsiteY31" fmla="*/ 182011 h 825932"/>
+              <a:gd name="connsiteX32" fmla="*/ 3015722 w 3472060"/>
+              <a:gd name="connsiteY32" fmla="*/ 147286 h 825932"/>
+              <a:gd name="connsiteX33" fmla="*/ 3130018 w 3472060"/>
+              <a:gd name="connsiteY33" fmla="*/ 112649 h 825932"/>
+              <a:gd name="connsiteX34" fmla="*/ 3243551 w 3472060"/>
+              <a:gd name="connsiteY34" fmla="*/ 75688 h 825932"/>
+              <a:gd name="connsiteX35" fmla="*/ 3356992 w 3472060"/>
+              <a:gd name="connsiteY35" fmla="*/ 38197 h 825932"/>
+              <a:gd name="connsiteX36" fmla="*/ 3470310 w 3472060"/>
+              <a:gd name="connsiteY36" fmla="*/ 0 h 825932"/>
+            </a:gdLst>
+            <a:ahLst/>
+            <a:cxnLst>
+              <a:cxn ang="0">
+                <a:pos x="connsiteX0" y="connsiteY0"/>
+              </a:cxn>
+              <a:cxn ang="0">
+                <a:pos x="connsiteX1" y="connsiteY1"/>
+              </a:cxn>
+              <a:cxn ang="0">
+                <a:pos x="connsiteX2" y="connsiteY2"/>
+              </a:cxn>
+              <a:cxn ang="0">
+                <a:pos x="connsiteX3" y="connsiteY3"/>
+              </a:cxn>
+              <a:cxn ang="0">
+                <a:pos x="connsiteX4" y="connsiteY4"/>
+              </a:cxn>
+              <a:cxn ang="0">
+                <a:pos x="connsiteX5" y="connsiteY5"/>
+              </a:cxn>
+              <a:cxn ang="0">
+                <a:pos x="connsiteX6" y="connsiteY6"/>
+              </a:cxn>
+              <a:cxn ang="0">
+                <a:pos x="connsiteX7" y="connsiteY7"/>
+              </a:cxn>
+              <a:cxn ang="0">
+                <a:pos x="connsiteX8" y="connsiteY8"/>
+              </a:cxn>
+              <a:cxn ang="0">
+                <a:pos x="connsiteX9" y="connsiteY9"/>
+              </a:cxn>
+              <a:cxn ang="0">
+                <a:pos x="connsiteX10" y="connsiteY10"/>
+              </a:cxn>
+              <a:cxn ang="0">
+                <a:pos x="connsiteX11" y="connsiteY11"/>
+              </a:cxn>
+              <a:cxn ang="0">
+                <a:pos x="connsiteX12" y="connsiteY12"/>
+              </a:cxn>
+              <a:cxn ang="0">
+                <a:pos x="connsiteX13" y="connsiteY13"/>
+              </a:cxn>
+              <a:cxn ang="0">
+                <a:pos x="connsiteX14" y="connsiteY14"/>
+              </a:cxn>
+              <a:cxn ang="0">
+                <a:pos x="connsiteX15" y="connsiteY15"/>
+              </a:cxn>
+              <a:cxn ang="0">
+                <a:pos x="connsiteX16" y="connsiteY16"/>
+              </a:cxn>
+              <a:cxn ang="0">
+                <a:pos x="connsiteX17" y="connsiteY17"/>
+              </a:cxn>
+              <a:cxn ang="0">
+                <a:pos x="connsiteX18" y="connsiteY18"/>
+              </a:cxn>
+              <a:cxn ang="0">
+                <a:pos x="connsiteX19" y="connsiteY19"/>
+              </a:cxn>
+              <a:cxn ang="0">
+                <a:pos x="connsiteX20" y="connsiteY20"/>
+              </a:cxn>
+              <a:cxn ang="0">
+                <a:pos x="connsiteX21" y="connsiteY21"/>
+              </a:cxn>
+              <a:cxn ang="0">
+                <a:pos x="connsiteX22" y="connsiteY22"/>
+              </a:cxn>
+              <a:cxn ang="0">
+                <a:pos x="connsiteX23" y="connsiteY23"/>
+              </a:cxn>
+              <a:cxn ang="0">
+                <a:pos x="connsiteX24" y="connsiteY24"/>
+              </a:cxn>
+              <a:cxn ang="0">
+                <a:pos x="connsiteX25" y="connsiteY25"/>
+              </a:cxn>
+              <a:cxn ang="0">
+                <a:pos x="connsiteX26" y="connsiteY26"/>
+              </a:cxn>
+              <a:cxn ang="0">
+                <a:pos x="connsiteX27" y="connsiteY27"/>
+              </a:cxn>
+              <a:cxn ang="0">
+                <a:pos x="connsiteX28" y="connsiteY28"/>
+              </a:cxn>
+              <a:cxn ang="0">
+                <a:pos x="connsiteX29" y="connsiteY29"/>
+              </a:cxn>
+              <a:cxn ang="0">
+                <a:pos x="connsiteX30" y="connsiteY30"/>
+              </a:cxn>
+              <a:cxn ang="0">
+                <a:pos x="connsiteX31" y="connsiteY31"/>
+              </a:cxn>
+              <a:cxn ang="0">
+                <a:pos x="connsiteX32" y="connsiteY32"/>
+              </a:cxn>
+              <a:cxn ang="0">
+                <a:pos x="connsiteX33" y="connsiteY33"/>
+              </a:cxn>
+              <a:cxn ang="0">
+                <a:pos x="connsiteX34" y="connsiteY34"/>
+              </a:cxn>
+              <a:cxn ang="0">
+                <a:pos x="connsiteX35" y="connsiteY35"/>
+              </a:cxn>
+              <a:cxn ang="0">
+                <a:pos x="connsiteX36" y="connsiteY36"/>
+              </a:cxn>
+            </a:cxnLst>
+            <a:rect l="l" t="t" r="r" b="b"/>
+            <a:pathLst>
+              <a:path w="3472060" h="825932">
+                <a:moveTo>
+                  <a:pt x="3470310" y="0"/>
+                </a:moveTo>
+                <a:lnTo>
+                  <a:pt x="3472060" y="12850"/>
+                </a:lnTo>
+                <a:lnTo>
+                  <a:pt x="3472060" y="480529"/>
+                </a:lnTo>
+                <a:lnTo>
+                  <a:pt x="3363699" y="498471"/>
+                </a:lnTo>
+                <a:cubicBezTo>
+                  <a:pt x="2435623" y="645518"/>
+                  <a:pt x="603076" y="844866"/>
+                  <a:pt x="42060" y="824486"/>
+                </a:cubicBezTo>
+                <a:cubicBezTo>
+                  <a:pt x="28151" y="802425"/>
+                  <a:pt x="13909" y="780513"/>
+                  <a:pt x="0" y="758452"/>
+                </a:cubicBezTo>
+                <a:lnTo>
+                  <a:pt x="188014" y="735602"/>
+                </a:lnTo>
+                <a:lnTo>
+                  <a:pt x="284087" y="722590"/>
+                </a:lnTo>
+                <a:lnTo>
+                  <a:pt x="382288" y="709392"/>
+                </a:lnTo>
+                <a:lnTo>
+                  <a:pt x="481858" y="695774"/>
+                </a:lnTo>
+                <a:lnTo>
+                  <a:pt x="581897" y="680711"/>
+                </a:lnTo>
+                <a:lnTo>
+                  <a:pt x="683670" y="665256"/>
+                </a:lnTo>
+                <a:lnTo>
+                  <a:pt x="787206" y="649587"/>
+                </a:lnTo>
+                <a:lnTo>
+                  <a:pt x="892019" y="632968"/>
+                </a:lnTo>
+                <a:lnTo>
+                  <a:pt x="997620" y="614667"/>
+                </a:lnTo>
+                <a:lnTo>
+                  <a:pt x="1104727" y="596741"/>
+                </a:lnTo>
+                <a:lnTo>
+                  <a:pt x="1212669" y="577397"/>
+                </a:lnTo>
+                <a:lnTo>
+                  <a:pt x="1321506" y="556988"/>
+                </a:lnTo>
+                <a:lnTo>
+                  <a:pt x="1430709" y="536607"/>
+                </a:lnTo>
+                <a:lnTo>
+                  <a:pt x="1541050" y="514481"/>
+                </a:lnTo>
+                <a:lnTo>
+                  <a:pt x="1652805" y="492202"/>
+                </a:lnTo>
+                <a:lnTo>
+                  <a:pt x="1763708" y="469161"/>
+                </a:lnTo>
+                <a:lnTo>
+                  <a:pt x="1875795" y="444641"/>
+                </a:lnTo>
+                <a:lnTo>
+                  <a:pt x="1989128" y="418995"/>
+                </a:lnTo>
+                <a:lnTo>
+                  <a:pt x="2102476" y="393438"/>
+                </a:lnTo>
+                <a:lnTo>
+                  <a:pt x="2215549" y="366291"/>
+                </a:lnTo>
+                <a:lnTo>
+                  <a:pt x="2330490" y="337455"/>
+                </a:lnTo>
+                <a:lnTo>
+                  <a:pt x="2443333" y="308983"/>
+                </a:lnTo>
+                <a:lnTo>
+                  <a:pt x="2558014" y="278646"/>
+                </a:lnTo>
+                <a:lnTo>
+                  <a:pt x="2673621" y="247421"/>
+                </a:lnTo>
+                <a:lnTo>
+                  <a:pt x="2787008" y="215853"/>
+                </a:lnTo>
+                <a:lnTo>
+                  <a:pt x="2901442" y="182011"/>
+                </a:lnTo>
+                <a:lnTo>
+                  <a:pt x="3015722" y="147286"/>
+                </a:lnTo>
+                <a:lnTo>
+                  <a:pt x="3130018" y="112649"/>
+                </a:lnTo>
+                <a:lnTo>
+                  <a:pt x="3243551" y="75688"/>
+                </a:lnTo>
+                <a:lnTo>
+                  <a:pt x="3356992" y="38197"/>
+                </a:lnTo>
+                <a:lnTo>
+                  <a:pt x="3470310" y="0"/>
+                </a:lnTo>
+                <a:close/>
+              </a:path>
+            </a:pathLst>
+          </a:custGeom>
+          <a:solidFill>
+            <a:schemeClr val="bg1">
+              <a:alpha val="20000"/>
+            </a:schemeClr>
+          </a:solidFill>
+          <a:ln>
+            <a:noFill/>
+          </a:ln>
+        </p:spPr>
+        <p:txBody>
+          <a:bodyPr rtlCol="0" anchor="ctr"/>
+          <a:lstStyle/>
+          <a:p>
+            <a:pPr algn="ctr"/>
+            <a:endParaRPr lang="en-US">
+              <a:solidFill>
+                <a:schemeClr val="tx1"/>
+              </a:solidFill>
+            </a:endParaRPr>
+          </a:p>
+        </p:txBody>
+      </p:sp>
+      <p:sp useBgFill="1">
+        <p:nvSpPr>
+          <p:cNvPr id="42" name="Freeform: Shape 41">
+            <a:extLst>
+              <a:ext uri="{FF2B5EF4-FFF2-40B4-BE49-F238E27FC236}">
+                <a16:creationId xmlns:a16="http://schemas.microsoft.com/office/drawing/2014/main" id="{9A87AD7E-457F-4836-8DDE-FFE0F009388A}"/>
+              </a:ext>
+              <a:ext uri="{C183D7F6-B498-43B3-948B-1728B52AA6E4}">
+                <adec:decorative xmlns:adec="http://schemas.microsoft.com/office/drawing/2017/decorative" val="1"/>
+              </a:ext>
+            </a:extLst>
+          </p:cNvPr>
+          <p:cNvSpPr>
+            <a:spLocks noGrp="1" noRot="1" noChangeAspect="1" noMove="1" noResize="1" noEditPoints="1" noAdjustHandles="1" noChangeArrowheads="1" noChangeShapeType="1" noTextEdit="1"/>
+          </p:cNvSpPr>
+          <p:nvPr>
+            <p:extLst>
+              <p:ext uri="{386F3935-93C4-4BCD-93E2-E3B085C9AB24}">
+                <p16:designElem xmlns:p16="http://schemas.microsoft.com/office/powerpoint/2015/main" val="1"/>
+              </p:ext>
+            </p:extLst>
+          </p:nvPr>
+        </p:nvSpPr>
+        <p:spPr bwMode="gray">
+          <a:xfrm>
+            <a:off x="1" y="1762067"/>
+            <a:ext cx="12192417" cy="5095933"/>
+          </a:xfrm>
+          <a:custGeom>
+            <a:avLst/>
+            <a:gdLst>
+              <a:gd name="connsiteX0" fmla="*/ 0 w 12192417"/>
+              <a:gd name="connsiteY0" fmla="*/ 0 h 5095933"/>
+              <a:gd name="connsiteX1" fmla="*/ 71931 w 12192417"/>
+              <a:gd name="connsiteY1" fmla="*/ 12261 h 5095933"/>
+              <a:gd name="connsiteX2" fmla="*/ 282848 w 12192417"/>
+              <a:gd name="connsiteY2" fmla="*/ 48343 h 5095933"/>
+              <a:gd name="connsiteX3" fmla="*/ 436463 w 12192417"/>
+              <a:gd name="connsiteY3" fmla="*/ 73565 h 5095933"/>
+              <a:gd name="connsiteX4" fmla="*/ 619338 w 12192417"/>
+              <a:gd name="connsiteY4" fmla="*/ 100188 h 5095933"/>
+              <a:gd name="connsiteX5" fmla="*/ 836350 w 12192417"/>
+              <a:gd name="connsiteY5" fmla="*/ 132066 h 5095933"/>
+              <a:gd name="connsiteX6" fmla="*/ 1076527 w 12192417"/>
+              <a:gd name="connsiteY6" fmla="*/ 165696 h 5095933"/>
+              <a:gd name="connsiteX7" fmla="*/ 1347183 w 12192417"/>
+              <a:gd name="connsiteY7" fmla="*/ 201077 h 5095933"/>
+              <a:gd name="connsiteX8" fmla="*/ 1642222 w 12192417"/>
+              <a:gd name="connsiteY8" fmla="*/ 238560 h 5095933"/>
+              <a:gd name="connsiteX9" fmla="*/ 1962863 w 12192417"/>
+              <a:gd name="connsiteY9" fmla="*/ 276043 h 5095933"/>
+              <a:gd name="connsiteX10" fmla="*/ 2304231 w 12192417"/>
+              <a:gd name="connsiteY10" fmla="*/ 314227 h 5095933"/>
+              <a:gd name="connsiteX11" fmla="*/ 2672420 w 12192417"/>
+              <a:gd name="connsiteY11" fmla="*/ 349608 h 5095933"/>
+              <a:gd name="connsiteX12" fmla="*/ 3057677 w 12192417"/>
+              <a:gd name="connsiteY12" fmla="*/ 383588 h 5095933"/>
+              <a:gd name="connsiteX13" fmla="*/ 3464880 w 12192417"/>
+              <a:gd name="connsiteY13" fmla="*/ 414415 h 5095933"/>
+              <a:gd name="connsiteX14" fmla="*/ 3889151 w 12192417"/>
+              <a:gd name="connsiteY14" fmla="*/ 443841 h 5095933"/>
+              <a:gd name="connsiteX15" fmla="*/ 4331709 w 12192417"/>
+              <a:gd name="connsiteY15" fmla="*/ 471515 h 5095933"/>
+              <a:gd name="connsiteX16" fmla="*/ 4558475 w 12192417"/>
+              <a:gd name="connsiteY16" fmla="*/ 481324 h 5095933"/>
+              <a:gd name="connsiteX17" fmla="*/ 4790117 w 12192417"/>
+              <a:gd name="connsiteY17" fmla="*/ 492183 h 5095933"/>
+              <a:gd name="connsiteX18" fmla="*/ 5025417 w 12192417"/>
+              <a:gd name="connsiteY18" fmla="*/ 502342 h 5095933"/>
+              <a:gd name="connsiteX19" fmla="*/ 5261936 w 12192417"/>
+              <a:gd name="connsiteY19" fmla="*/ 508998 h 5095933"/>
+              <a:gd name="connsiteX20" fmla="*/ 5503331 w 12192417"/>
+              <a:gd name="connsiteY20" fmla="*/ 514953 h 5095933"/>
+              <a:gd name="connsiteX21" fmla="*/ 5747166 w 12192417"/>
+              <a:gd name="connsiteY21" fmla="*/ 521259 h 5095933"/>
+              <a:gd name="connsiteX22" fmla="*/ 5995876 w 12192417"/>
+              <a:gd name="connsiteY22" fmla="*/ 525463 h 5095933"/>
+              <a:gd name="connsiteX23" fmla="*/ 6247025 w 12192417"/>
+              <a:gd name="connsiteY23" fmla="*/ 525463 h 5095933"/>
+              <a:gd name="connsiteX24" fmla="*/ 6500612 w 12192417"/>
+              <a:gd name="connsiteY24" fmla="*/ 527565 h 5095933"/>
+              <a:gd name="connsiteX25" fmla="*/ 6756638 w 12192417"/>
+              <a:gd name="connsiteY25" fmla="*/ 525463 h 5095933"/>
+              <a:gd name="connsiteX26" fmla="*/ 7016321 w 12192417"/>
+              <a:gd name="connsiteY26" fmla="*/ 521259 h 5095933"/>
+              <a:gd name="connsiteX27" fmla="*/ 7276004 w 12192417"/>
+              <a:gd name="connsiteY27" fmla="*/ 517406 h 5095933"/>
+              <a:gd name="connsiteX28" fmla="*/ 7539344 w 12192417"/>
+              <a:gd name="connsiteY28" fmla="*/ 508998 h 5095933"/>
+              <a:gd name="connsiteX29" fmla="*/ 7805123 w 12192417"/>
+              <a:gd name="connsiteY29" fmla="*/ 500241 h 5095933"/>
+              <a:gd name="connsiteX30" fmla="*/ 8070902 w 12192417"/>
+              <a:gd name="connsiteY30" fmla="*/ 490082 h 5095933"/>
+              <a:gd name="connsiteX31" fmla="*/ 8339120 w 12192417"/>
+              <a:gd name="connsiteY31" fmla="*/ 475719 h 5095933"/>
+              <a:gd name="connsiteX32" fmla="*/ 8609775 w 12192417"/>
+              <a:gd name="connsiteY32" fmla="*/ 458554 h 5095933"/>
+              <a:gd name="connsiteX33" fmla="*/ 8881650 w 12192417"/>
+              <a:gd name="connsiteY33" fmla="*/ 442089 h 5095933"/>
+              <a:gd name="connsiteX34" fmla="*/ 9153525 w 12192417"/>
+              <a:gd name="connsiteY34" fmla="*/ 421071 h 5095933"/>
+              <a:gd name="connsiteX35" fmla="*/ 9429057 w 12192417"/>
+              <a:gd name="connsiteY35" fmla="*/ 395849 h 5095933"/>
+              <a:gd name="connsiteX36" fmla="*/ 9700932 w 12192417"/>
+              <a:gd name="connsiteY36" fmla="*/ 370626 h 5095933"/>
+              <a:gd name="connsiteX37" fmla="*/ 9977683 w 12192417"/>
+              <a:gd name="connsiteY37" fmla="*/ 341551 h 5095933"/>
+              <a:gd name="connsiteX38" fmla="*/ 10255654 w 12192417"/>
+              <a:gd name="connsiteY38" fmla="*/ 309673 h 5095933"/>
+              <a:gd name="connsiteX39" fmla="*/ 10529967 w 12192417"/>
+              <a:gd name="connsiteY39" fmla="*/ 276043 h 5095933"/>
+              <a:gd name="connsiteX40" fmla="*/ 10807938 w 12192417"/>
+              <a:gd name="connsiteY40" fmla="*/ 236809 h 5095933"/>
+              <a:gd name="connsiteX41" fmla="*/ 11084689 w 12192417"/>
+              <a:gd name="connsiteY41" fmla="*/ 194772 h 5095933"/>
+              <a:gd name="connsiteX42" fmla="*/ 11362660 w 12192417"/>
+              <a:gd name="connsiteY42" fmla="*/ 153085 h 5095933"/>
+              <a:gd name="connsiteX43" fmla="*/ 11639411 w 12192417"/>
+              <a:gd name="connsiteY43" fmla="*/ 104392 h 5095933"/>
+              <a:gd name="connsiteX44" fmla="*/ 11914944 w 12192417"/>
+              <a:gd name="connsiteY44" fmla="*/ 54648 h 5095933"/>
+              <a:gd name="connsiteX45" fmla="*/ 12191695 w 12192417"/>
+              <a:gd name="connsiteY45" fmla="*/ 2452 h 5095933"/>
+              <a:gd name="connsiteX46" fmla="*/ 12191695 w 12192417"/>
+              <a:gd name="connsiteY46" fmla="*/ 2162231 h 5095933"/>
+              <a:gd name="connsiteX47" fmla="*/ 12192417 w 12192417"/>
+              <a:gd name="connsiteY47" fmla="*/ 2162231 h 5095933"/>
+              <a:gd name="connsiteX48" fmla="*/ 12192417 w 12192417"/>
+              <a:gd name="connsiteY48" fmla="*/ 5095933 h 5095933"/>
+              <a:gd name="connsiteX49" fmla="*/ 0 w 12192417"/>
+              <a:gd name="connsiteY49" fmla="*/ 5095933 h 5095933"/>
+              <a:gd name="connsiteX50" fmla="*/ 0 w 12192417"/>
+              <a:gd name="connsiteY50" fmla="*/ 2791958 h 5095933"/>
+              <a:gd name="connsiteX51" fmla="*/ 0 w 12192417"/>
+              <a:gd name="connsiteY51" fmla="*/ 2162231 h 5095933"/>
+            </a:gdLst>
+            <a:ahLst/>
+            <a:cxnLst>
+              <a:cxn ang="0">
+                <a:pos x="connsiteX0" y="connsiteY0"/>
+              </a:cxn>
+              <a:cxn ang="0">
+                <a:pos x="connsiteX1" y="connsiteY1"/>
+              </a:cxn>
+              <a:cxn ang="0">
+                <a:pos x="connsiteX2" y="connsiteY2"/>
+              </a:cxn>
+              <a:cxn ang="0">
+                <a:pos x="connsiteX3" y="connsiteY3"/>
+              </a:cxn>
+              <a:cxn ang="0">
+                <a:pos x="connsiteX4" y="connsiteY4"/>
+              </a:cxn>
+              <a:cxn ang="0">
+                <a:pos x="connsiteX5" y="connsiteY5"/>
+              </a:cxn>
+              <a:cxn ang="0">
+                <a:pos x="connsiteX6" y="connsiteY6"/>
+              </a:cxn>
+              <a:cxn ang="0">
+                <a:pos x="connsiteX7" y="connsiteY7"/>
+              </a:cxn>
+              <a:cxn ang="0">
+                <a:pos x="connsiteX8" y="connsiteY8"/>
+              </a:cxn>
+              <a:cxn ang="0">
+                <a:pos x="connsiteX9" y="connsiteY9"/>
+              </a:cxn>
+              <a:cxn ang="0">
+                <a:pos x="connsiteX10" y="connsiteY10"/>
+              </a:cxn>
+              <a:cxn ang="0">
+                <a:pos x="connsiteX11" y="connsiteY11"/>
+              </a:cxn>
+              <a:cxn ang="0">
+                <a:pos x="connsiteX12" y="connsiteY12"/>
+              </a:cxn>
+              <a:cxn ang="0">
+                <a:pos x="connsiteX13" y="connsiteY13"/>
+              </a:cxn>
+              <a:cxn ang="0">
+                <a:pos x="connsiteX14" y="connsiteY14"/>
+              </a:cxn>
+              <a:cxn ang="0">
+                <a:pos x="connsiteX15" y="connsiteY15"/>
+              </a:cxn>
+              <a:cxn ang="0">
+                <a:pos x="connsiteX16" y="connsiteY16"/>
+              </a:cxn>
+              <a:cxn ang="0">
+                <a:pos x="connsiteX17" y="connsiteY17"/>
+              </a:cxn>
+              <a:cxn ang="0">
+                <a:pos x="connsiteX18" y="connsiteY18"/>
+              </a:cxn>
+              <a:cxn ang="0">
+                <a:pos x="connsiteX19" y="connsiteY19"/>
+              </a:cxn>
+              <a:cxn ang="0">
+                <a:pos x="connsiteX20" y="connsiteY20"/>
+              </a:cxn>
+              <a:cxn ang="0">
+                <a:pos x="connsiteX21" y="connsiteY21"/>
+              </a:cxn>
+              <a:cxn ang="0">
+                <a:pos x="connsiteX22" y="connsiteY22"/>
+              </a:cxn>
+              <a:cxn ang="0">
+                <a:pos x="connsiteX23" y="connsiteY23"/>
+              </a:cxn>
+              <a:cxn ang="0">
+                <a:pos x="connsiteX24" y="connsiteY24"/>
+              </a:cxn>
+              <a:cxn ang="0">
+                <a:pos x="connsiteX25" y="connsiteY25"/>
+              </a:cxn>
+              <a:cxn ang="0">
+                <a:pos x="connsiteX26" y="connsiteY26"/>
+              </a:cxn>
+              <a:cxn ang="0">
+                <a:pos x="connsiteX27" y="connsiteY27"/>
+              </a:cxn>
+              <a:cxn ang="0">
+                <a:pos x="connsiteX28" y="connsiteY28"/>
+              </a:cxn>
+              <a:cxn ang="0">
+                <a:pos x="connsiteX29" y="connsiteY29"/>
+              </a:cxn>
+              <a:cxn ang="0">
+                <a:pos x="connsiteX30" y="connsiteY30"/>
+              </a:cxn>
+              <a:cxn ang="0">
+                <a:pos x="connsiteX31" y="connsiteY31"/>
+              </a:cxn>
+              <a:cxn ang="0">
+                <a:pos x="connsiteX32" y="connsiteY32"/>
+              </a:cxn>
+              <a:cxn ang="0">
+                <a:pos x="connsiteX33" y="connsiteY33"/>
+              </a:cxn>
+              <a:cxn ang="0">
+                <a:pos x="connsiteX34" y="connsiteY34"/>
+              </a:cxn>
+              <a:cxn ang="0">
+                <a:pos x="connsiteX35" y="connsiteY35"/>
+              </a:cxn>
+              <a:cxn ang="0">
+                <a:pos x="connsiteX36" y="connsiteY36"/>
+              </a:cxn>
+              <a:cxn ang="0">
+                <a:pos x="connsiteX37" y="connsiteY37"/>
+              </a:cxn>
+              <a:cxn ang="0">
+                <a:pos x="connsiteX38" y="connsiteY38"/>
+              </a:cxn>
+              <a:cxn ang="0">
+                <a:pos x="connsiteX39" y="connsiteY39"/>
+              </a:cxn>
+              <a:cxn ang="0">
+                <a:pos x="connsiteX40" y="connsiteY40"/>
+              </a:cxn>
+              <a:cxn ang="0">
+                <a:pos x="connsiteX41" y="connsiteY41"/>
+              </a:cxn>
+              <a:cxn ang="0">
+                <a:pos x="connsiteX42" y="connsiteY42"/>
+              </a:cxn>
+              <a:cxn ang="0">
+                <a:pos x="connsiteX43" y="connsiteY43"/>
+              </a:cxn>
+              <a:cxn ang="0">
+                <a:pos x="connsiteX44" y="connsiteY44"/>
+              </a:cxn>
+              <a:cxn ang="0">
+                <a:pos x="connsiteX45" y="connsiteY45"/>
+              </a:cxn>
+              <a:cxn ang="0">
+                <a:pos x="connsiteX46" y="connsiteY46"/>
+              </a:cxn>
+              <a:cxn ang="0">
+                <a:pos x="connsiteX47" y="connsiteY47"/>
+              </a:cxn>
+              <a:cxn ang="0">
+                <a:pos x="connsiteX48" y="connsiteY48"/>
+              </a:cxn>
+              <a:cxn ang="0">
+                <a:pos x="connsiteX49" y="connsiteY49"/>
+              </a:cxn>
+              <a:cxn ang="0">
+                <a:pos x="connsiteX50" y="connsiteY50"/>
+              </a:cxn>
+              <a:cxn ang="0">
+                <a:pos x="connsiteX51" y="connsiteY51"/>
+              </a:cxn>
+            </a:cxnLst>
+            <a:rect l="l" t="t" r="r" b="b"/>
+            <a:pathLst>
+              <a:path w="12192417" h="5095933">
+                <a:moveTo>
+                  <a:pt x="0" y="0"/>
+                </a:moveTo>
+                <a:lnTo>
+                  <a:pt x="71931" y="12261"/>
+                </a:lnTo>
+                <a:lnTo>
+                  <a:pt x="282848" y="48343"/>
+                </a:lnTo>
+                <a:lnTo>
+                  <a:pt x="436463" y="73565"/>
+                </a:lnTo>
+                <a:lnTo>
+                  <a:pt x="619338" y="100188"/>
+                </a:lnTo>
+                <a:lnTo>
+                  <a:pt x="836350" y="132066"/>
+                </a:lnTo>
+                <a:lnTo>
+                  <a:pt x="1076527" y="165696"/>
+                </a:lnTo>
+                <a:lnTo>
+                  <a:pt x="1347183" y="201077"/>
+                </a:lnTo>
+                <a:lnTo>
+                  <a:pt x="1642222" y="238560"/>
+                </a:lnTo>
+                <a:lnTo>
+                  <a:pt x="1962863" y="276043"/>
+                </a:lnTo>
+                <a:lnTo>
+                  <a:pt x="2304231" y="314227"/>
+                </a:lnTo>
+                <a:lnTo>
+                  <a:pt x="2672420" y="349608"/>
+                </a:lnTo>
+                <a:lnTo>
+                  <a:pt x="3057677" y="383588"/>
+                </a:lnTo>
+                <a:lnTo>
+                  <a:pt x="3464880" y="414415"/>
+                </a:lnTo>
+                <a:lnTo>
+                  <a:pt x="3889151" y="443841"/>
+                </a:lnTo>
+                <a:lnTo>
+                  <a:pt x="4331709" y="471515"/>
+                </a:lnTo>
+                <a:lnTo>
+                  <a:pt x="4558475" y="481324"/>
+                </a:lnTo>
+                <a:lnTo>
+                  <a:pt x="4790117" y="492183"/>
+                </a:lnTo>
+                <a:lnTo>
+                  <a:pt x="5025417" y="502342"/>
+                </a:lnTo>
+                <a:lnTo>
+                  <a:pt x="5261936" y="508998"/>
+                </a:lnTo>
+                <a:lnTo>
+                  <a:pt x="5503331" y="514953"/>
+                </a:lnTo>
+                <a:lnTo>
+                  <a:pt x="5747166" y="521259"/>
+                </a:lnTo>
+                <a:lnTo>
+                  <a:pt x="5995876" y="525463"/>
+                </a:lnTo>
+                <a:lnTo>
+                  <a:pt x="6247025" y="525463"/>
+                </a:lnTo>
+                <a:lnTo>
+                  <a:pt x="6500612" y="527565"/>
+                </a:lnTo>
+                <a:lnTo>
+                  <a:pt x="6756638" y="525463"/>
+                </a:lnTo>
+                <a:lnTo>
+                  <a:pt x="7016321" y="521259"/>
+                </a:lnTo>
+                <a:lnTo>
+                  <a:pt x="7276004" y="517406"/>
+                </a:lnTo>
+                <a:lnTo>
+                  <a:pt x="7539344" y="508998"/>
+                </a:lnTo>
+                <a:lnTo>
+                  <a:pt x="7805123" y="500241"/>
+                </a:lnTo>
+                <a:lnTo>
+                  <a:pt x="8070902" y="490082"/>
+                </a:lnTo>
+                <a:lnTo>
+                  <a:pt x="8339120" y="475719"/>
+                </a:lnTo>
+                <a:lnTo>
+                  <a:pt x="8609775" y="458554"/>
+                </a:lnTo>
+                <a:lnTo>
+                  <a:pt x="8881650" y="442089"/>
+                </a:lnTo>
+                <a:lnTo>
+                  <a:pt x="9153525" y="421071"/>
+                </a:lnTo>
+                <a:lnTo>
+                  <a:pt x="9429057" y="395849"/>
+                </a:lnTo>
+                <a:lnTo>
+                  <a:pt x="9700932" y="370626"/>
+                </a:lnTo>
+                <a:lnTo>
+                  <a:pt x="9977683" y="341551"/>
+                </a:lnTo>
+                <a:lnTo>
+                  <a:pt x="10255654" y="309673"/>
+                </a:lnTo>
+                <a:lnTo>
+                  <a:pt x="10529967" y="276043"/>
+                </a:lnTo>
+                <a:lnTo>
+                  <a:pt x="10807938" y="236809"/>
+                </a:lnTo>
+                <a:lnTo>
+                  <a:pt x="11084689" y="194772"/>
+                </a:lnTo>
+                <a:lnTo>
+                  <a:pt x="11362660" y="153085"/>
+                </a:lnTo>
+                <a:lnTo>
+                  <a:pt x="11639411" y="104392"/>
+                </a:lnTo>
+                <a:lnTo>
+                  <a:pt x="11914944" y="54648"/>
+                </a:lnTo>
+                <a:lnTo>
+                  <a:pt x="12191695" y="2452"/>
+                </a:lnTo>
+                <a:lnTo>
+                  <a:pt x="12191695" y="2162231"/>
+                </a:lnTo>
+                <a:lnTo>
+                  <a:pt x="12192417" y="2162231"/>
+                </a:lnTo>
+                <a:lnTo>
+                  <a:pt x="12192417" y="5095933"/>
+                </a:lnTo>
+                <a:lnTo>
+                  <a:pt x="0" y="5095933"/>
+                </a:lnTo>
+                <a:lnTo>
+                  <a:pt x="0" y="2791958"/>
+                </a:lnTo>
+                <a:lnTo>
+                  <a:pt x="0" y="2162231"/>
+                </a:lnTo>
+                <a:close/>
+              </a:path>
+            </a:pathLst>
+          </a:custGeom>
+          <a:ln>
+            <a:noFill/>
+          </a:ln>
+        </p:spPr>
+        <p:txBody>
+          <a:bodyPr/>
+          <a:lstStyle/>
+          <a:p>
+            <a:endParaRPr lang="en-US"/>
+          </a:p>
+        </p:txBody>
+      </p:sp>
       <p:graphicFrame>
         <p:nvGraphicFramePr>
           <p:cNvPr id="5" name="Content Placeholder 2">
@@ -19432,18 +20370,18 @@
             <p:ph idx="4294967295"/>
             <p:extLst>
               <p:ext uri="{D42A27DB-BD31-4B8C-83A1-F6EECF244321}">
-                <p14:modId xmlns:p14="http://schemas.microsoft.com/office/powerpoint/2010/main" val="1781446943"/>
+                <p14:modId xmlns:p14="http://schemas.microsoft.com/office/powerpoint/2010/main" val="4201440827"/>
               </p:ext>
             </p:extLst>
           </p:nvPr>
         </p:nvGraphicFramePr>
         <p:xfrm>
-          <a:off x="646111" y="2140085"/>
-          <a:ext cx="9404352" cy="4056434"/>
+          <a:off x="2000250" y="1227075"/>
+          <a:ext cx="7800975" cy="3573525"/>
         </p:xfrm>
         <a:graphic>
           <a:graphicData uri="http://schemas.openxmlformats.org/drawingml/2006/diagram">
-            <dgm:relIds xmlns:dgm="http://schemas.openxmlformats.org/drawingml/2006/diagram" xmlns:r="http://schemas.openxmlformats.org/officeDocument/2006/relationships" r:dm="rId7" r:lo="rId8" r:qs="rId9" r:cs="rId10"/>
+            <dgm:relIds xmlns:dgm="http://schemas.openxmlformats.org/drawingml/2006/diagram" xmlns:r="http://schemas.openxmlformats.org/officeDocument/2006/relationships" r:dm="rId6" r:lo="rId7" r:qs="rId8" r:cs="rId9"/>
           </a:graphicData>
         </a:graphic>
       </p:graphicFrame>
@@ -19455,7 +20393,7 @@
     </p:extLst>
   </p:cSld>
   <p:clrMapOvr>
-    <a:masterClrMapping/>
+    <a:overrideClrMapping bg1="lt1" tx1="dk1" bg2="lt2" tx2="dk2" accent1="accent1" accent2="accent2" accent3="accent3" accent4="accent4" accent5="accent5" accent6="accent6" hlink="hlink" folHlink="folHlink"/>
   </p:clrMapOvr>
 </p:sld>
 </file>

--- a/Week 4&5 Presentation.pptx
+++ b/Week 4&5 Presentation.pptx
@@ -12,24 +12,25 @@
     <p:sldId id="260" r:id="rId6"/>
     <p:sldId id="261" r:id="rId7"/>
     <p:sldId id="262" r:id="rId8"/>
-    <p:sldId id="263" r:id="rId9"/>
-    <p:sldId id="264" r:id="rId10"/>
-    <p:sldId id="265" r:id="rId11"/>
-    <p:sldId id="271" r:id="rId12"/>
-    <p:sldId id="266" r:id="rId13"/>
-    <p:sldId id="267" r:id="rId14"/>
-    <p:sldId id="268" r:id="rId15"/>
-    <p:sldId id="269" r:id="rId16"/>
-    <p:sldId id="270" r:id="rId17"/>
-    <p:sldId id="272" r:id="rId18"/>
-    <p:sldId id="273" r:id="rId19"/>
-    <p:sldId id="274" r:id="rId20"/>
-    <p:sldId id="275" r:id="rId21"/>
-    <p:sldId id="276" r:id="rId22"/>
-    <p:sldId id="277" r:id="rId23"/>
-    <p:sldId id="278" r:id="rId24"/>
-    <p:sldId id="279" r:id="rId25"/>
-    <p:sldId id="280" r:id="rId26"/>
+    <p:sldId id="281" r:id="rId9"/>
+    <p:sldId id="263" r:id="rId10"/>
+    <p:sldId id="264" r:id="rId11"/>
+    <p:sldId id="265" r:id="rId12"/>
+    <p:sldId id="271" r:id="rId13"/>
+    <p:sldId id="266" r:id="rId14"/>
+    <p:sldId id="267" r:id="rId15"/>
+    <p:sldId id="268" r:id="rId16"/>
+    <p:sldId id="269" r:id="rId17"/>
+    <p:sldId id="270" r:id="rId18"/>
+    <p:sldId id="272" r:id="rId19"/>
+    <p:sldId id="273" r:id="rId20"/>
+    <p:sldId id="274" r:id="rId21"/>
+    <p:sldId id="275" r:id="rId22"/>
+    <p:sldId id="276" r:id="rId23"/>
+    <p:sldId id="277" r:id="rId24"/>
+    <p:sldId id="278" r:id="rId25"/>
+    <p:sldId id="279" r:id="rId26"/>
+    <p:sldId id="280" r:id="rId27"/>
   </p:sldIdLst>
   <p:sldSz cx="12192000" cy="6858000"/>
   <p:notesSz cx="6858000" cy="9144000"/>
@@ -16909,6 +16910,139 @@
 <file path=ppt/slides/slide10.xml><?xml version="1.0" encoding="utf-8"?>
 <p:sld xmlns:a="http://schemas.openxmlformats.org/drawingml/2006/main" xmlns:r="http://schemas.openxmlformats.org/officeDocument/2006/relationships" xmlns:p="http://schemas.openxmlformats.org/presentationml/2006/main">
   <p:cSld>
+    <p:spTree>
+      <p:nvGrpSpPr>
+        <p:cNvPr id="1" name=""/>
+        <p:cNvGrpSpPr/>
+        <p:nvPr/>
+      </p:nvGrpSpPr>
+      <p:grpSpPr>
+        <a:xfrm>
+          <a:off x="0" y="0"/>
+          <a:ext cx="0" cy="0"/>
+          <a:chOff x="0" y="0"/>
+          <a:chExt cx="0" cy="0"/>
+        </a:xfrm>
+      </p:grpSpPr>
+      <p:sp>
+        <p:nvSpPr>
+          <p:cNvPr id="4" name="Title 1">
+            <a:extLst>
+              <a:ext uri="{FF2B5EF4-FFF2-40B4-BE49-F238E27FC236}">
+                <a16:creationId xmlns:a16="http://schemas.microsoft.com/office/drawing/2014/main" id="{6110BF59-2BF1-E00A-E1BF-6AC1FF34D73F}"/>
+              </a:ext>
+            </a:extLst>
+          </p:cNvPr>
+          <p:cNvSpPr>
+            <a:spLocks noGrp="1"/>
+          </p:cNvSpPr>
+          <p:nvPr>
+            <p:ph idx="1"/>
+          </p:nvPr>
+        </p:nvSpPr>
+        <p:spPr>
+          <a:xfrm>
+            <a:off x="701675" y="1027113"/>
+            <a:ext cx="11074400" cy="5162550"/>
+          </a:xfrm>
+        </p:spPr>
+        <p:txBody>
+          <a:bodyPr/>
+          <a:lstStyle/>
+          <a:p>
+            <a:r>
+              <a:rPr lang="en-US" b="0" i="0" dirty="0">
+                <a:solidFill>
+                  <a:srgbClr val="D1D5DB"/>
+                </a:solidFill>
+                <a:effectLst/>
+                <a:latin typeface="+mn-lt"/>
+              </a:rPr>
+              <a:t>The pie chart provided illustrates the class distribution within my dataset, distinguishing between phishing (-1) and legitimate (1) websites. The chart shows a relatively balanced distribution because because neither class is significantly underrepresented; the two classes are within about 10 percentage points of each other.</a:t>
+            </a:r>
+          </a:p>
+          <a:p>
+            <a:endParaRPr lang="en-US" dirty="0">
+              <a:solidFill>
+                <a:srgbClr val="D1D5DB"/>
+              </a:solidFill>
+              <a:latin typeface="+mn-lt"/>
+            </a:endParaRPr>
+          </a:p>
+          <a:p>
+            <a:r>
+              <a:rPr lang="en-US" b="0" i="0" dirty="0">
+                <a:solidFill>
+                  <a:srgbClr val="D1D5DB"/>
+                </a:solidFill>
+                <a:effectLst/>
+                <a:latin typeface="+mn-lt"/>
+              </a:rPr>
+              <a:t>Having a balanced dataset is crucial for training machine learning models because:</a:t>
+            </a:r>
+          </a:p>
+          <a:p>
+            <a:r>
+              <a:rPr lang="en-US" b="0" i="0" dirty="0">
+                <a:solidFill>
+                  <a:srgbClr val="D1D5DB"/>
+                </a:solidFill>
+                <a:effectLst/>
+                <a:latin typeface="+mn-lt"/>
+              </a:rPr>
+              <a:t>It helps ensure that the model does not become biased toward the more common class.</a:t>
+            </a:r>
+          </a:p>
+          <a:p>
+            <a:r>
+              <a:rPr lang="en-US" b="0" i="0" dirty="0">
+                <a:solidFill>
+                  <a:srgbClr val="D1D5DB"/>
+                </a:solidFill>
+                <a:effectLst/>
+                <a:latin typeface="+mn-lt"/>
+              </a:rPr>
+              <a:t>It improves the reliability of accuracy as a metric for model performance.</a:t>
+            </a:r>
+          </a:p>
+          <a:p>
+            <a:r>
+              <a:rPr lang="en-US" b="0" i="0" dirty="0">
+                <a:solidFill>
+                  <a:srgbClr val="D1D5DB"/>
+                </a:solidFill>
+                <a:effectLst/>
+                <a:latin typeface="+mn-lt"/>
+              </a:rPr>
+              <a:t>It allows for better generalization of the model when predicting new, unseen data.</a:t>
+            </a:r>
+          </a:p>
+          <a:p>
+            <a:pPr marL="0" indent="0">
+              <a:buNone/>
+            </a:pPr>
+            <a:endParaRPr lang="en-US" dirty="0">
+              <a:latin typeface="+mn-lt"/>
+            </a:endParaRPr>
+          </a:p>
+        </p:txBody>
+      </p:sp>
+    </p:spTree>
+    <p:extLst>
+      <p:ext uri="{BB962C8B-B14F-4D97-AF65-F5344CB8AC3E}">
+        <p14:creationId xmlns:p14="http://schemas.microsoft.com/office/powerpoint/2010/main" val="2317778160"/>
+      </p:ext>
+    </p:extLst>
+  </p:cSld>
+  <p:clrMapOvr>
+    <a:masterClrMapping/>
+  </p:clrMapOvr>
+</p:sld>
+</file>
+
+<file path=ppt/slides/slide11.xml><?xml version="1.0" encoding="utf-8"?>
+<p:sld xmlns:a="http://schemas.openxmlformats.org/drawingml/2006/main" xmlns:r="http://schemas.openxmlformats.org/officeDocument/2006/relationships" xmlns:p="http://schemas.openxmlformats.org/presentationml/2006/main">
+  <p:cSld>
     <p:bg>
       <p:bgPr>
         <a:solidFill>
@@ -18308,7 +18442,7 @@
 </p:sld>
 </file>
 
-<file path=ppt/slides/slide11.xml><?xml version="1.0" encoding="utf-8"?>
+<file path=ppt/slides/slide12.xml><?xml version="1.0" encoding="utf-8"?>
 <p:sld xmlns:a="http://schemas.openxmlformats.org/drawingml/2006/main" xmlns:r="http://schemas.openxmlformats.org/officeDocument/2006/relationships" xmlns:p="http://schemas.openxmlformats.org/presentationml/2006/main">
   <p:cSld>
     <p:spTree>
@@ -18508,7 +18642,7 @@
 </p:sld>
 </file>
 
-<file path=ppt/slides/slide12.xml><?xml version="1.0" encoding="utf-8"?>
+<file path=ppt/slides/slide13.xml><?xml version="1.0" encoding="utf-8"?>
 <p:sld xmlns:a="http://schemas.openxmlformats.org/drawingml/2006/main" xmlns:r="http://schemas.openxmlformats.org/officeDocument/2006/relationships" xmlns:p="http://schemas.openxmlformats.org/presentationml/2006/main">
   <p:cSld>
     <p:spTree>
@@ -18636,7 +18770,7 @@
 </p:sld>
 </file>
 
-<file path=ppt/slides/slide13.xml><?xml version="1.0" encoding="utf-8"?>
+<file path=ppt/slides/slide14.xml><?xml version="1.0" encoding="utf-8"?>
 <p:sld xmlns:a="http://schemas.openxmlformats.org/drawingml/2006/main" xmlns:r="http://schemas.openxmlformats.org/officeDocument/2006/relationships" xmlns:p="http://schemas.openxmlformats.org/presentationml/2006/main">
   <p:cSld>
     <p:spTree>
@@ -18840,7 +18974,7 @@
 </p:sld>
 </file>
 
-<file path=ppt/slides/slide14.xml><?xml version="1.0" encoding="utf-8"?>
+<file path=ppt/slides/slide15.xml><?xml version="1.0" encoding="utf-8"?>
 <p:sld xmlns:a="http://schemas.openxmlformats.org/drawingml/2006/main" xmlns:r="http://schemas.openxmlformats.org/officeDocument/2006/relationships" xmlns:p="http://schemas.openxmlformats.org/presentationml/2006/main">
   <p:cSld>
     <p:spTree>
@@ -18976,7 +19110,7 @@
 </p:sld>
 </file>
 
-<file path=ppt/slides/slide15.xml><?xml version="1.0" encoding="utf-8"?>
+<file path=ppt/slides/slide16.xml><?xml version="1.0" encoding="utf-8"?>
 <p:sld xmlns:a="http://schemas.openxmlformats.org/drawingml/2006/main" xmlns:r="http://schemas.openxmlformats.org/officeDocument/2006/relationships" xmlns:p="http://schemas.openxmlformats.org/presentationml/2006/main">
   <p:cSld>
     <p:spTree>
@@ -19052,7 +19186,7 @@
 </p:sld>
 </file>
 
-<file path=ppt/slides/slide16.xml><?xml version="1.0" encoding="utf-8"?>
+<file path=ppt/slides/slide17.xml><?xml version="1.0" encoding="utf-8"?>
 <p:sld xmlns:a="http://schemas.openxmlformats.org/drawingml/2006/main" xmlns:r="http://schemas.openxmlformats.org/officeDocument/2006/relationships" xmlns:p="http://schemas.openxmlformats.org/presentationml/2006/main">
   <p:cSld>
     <p:bg>
@@ -20398,7 +20532,7 @@
 </p:sld>
 </file>
 
-<file path=ppt/slides/slide17.xml><?xml version="1.0" encoding="utf-8"?>
+<file path=ppt/slides/slide18.xml><?xml version="1.0" encoding="utf-8"?>
 <p:sld xmlns:a="http://schemas.openxmlformats.org/drawingml/2006/main" xmlns:r="http://schemas.openxmlformats.org/officeDocument/2006/relationships" xmlns:p="http://schemas.openxmlformats.org/presentationml/2006/main">
   <p:cSld>
     <p:spTree>
@@ -20503,7 +20637,7 @@
 </p:sld>
 </file>
 
-<file path=ppt/slides/slide18.xml><?xml version="1.0" encoding="utf-8"?>
+<file path=ppt/slides/slide19.xml><?xml version="1.0" encoding="utf-8"?>
 <p:sld xmlns:a="http://schemas.openxmlformats.org/drawingml/2006/main" xmlns:r="http://schemas.openxmlformats.org/officeDocument/2006/relationships" xmlns:p="http://schemas.openxmlformats.org/presentationml/2006/main">
   <p:cSld>
     <p:spTree>
@@ -20600,379 +20734,6 @@
   </p:cSld>
   <p:clrMapOvr>
     <a:masterClrMapping/>
-  </p:clrMapOvr>
-</p:sld>
-</file>
-
-<file path=ppt/slides/slide19.xml><?xml version="1.0" encoding="utf-8"?>
-<p:sld xmlns:a="http://schemas.openxmlformats.org/drawingml/2006/main" xmlns:r="http://schemas.openxmlformats.org/officeDocument/2006/relationships" xmlns:p="http://schemas.openxmlformats.org/presentationml/2006/main">
-  <p:cSld>
-    <p:bg>
-      <p:bgPr>
-        <a:solidFill>
-          <a:schemeClr val="bg1"/>
-        </a:solidFill>
-        <a:effectLst/>
-      </p:bgPr>
-    </p:bg>
-    <p:spTree>
-      <p:nvGrpSpPr>
-        <p:cNvPr id="1" name=""/>
-        <p:cNvGrpSpPr/>
-        <p:nvPr/>
-      </p:nvGrpSpPr>
-      <p:grpSpPr>
-        <a:xfrm>
-          <a:off x="0" y="0"/>
-          <a:ext cx="0" cy="0"/>
-          <a:chOff x="0" y="0"/>
-          <a:chExt cx="0" cy="0"/>
-        </a:xfrm>
-      </p:grpSpPr>
-      <p:sp>
-        <p:nvSpPr>
-          <p:cNvPr id="29" name="Rectangle 28">
-            <a:extLst>
-              <a:ext uri="{FF2B5EF4-FFF2-40B4-BE49-F238E27FC236}">
-                <a16:creationId xmlns:a16="http://schemas.microsoft.com/office/drawing/2014/main" id="{ABE6F9A3-300E-47F5-B41C-C8C5E758DE7C}"/>
-              </a:ext>
-              <a:ext uri="{C183D7F6-B498-43B3-948B-1728B52AA6E4}">
-                <adec:decorative xmlns:adec="http://schemas.microsoft.com/office/drawing/2017/decorative" val="1"/>
-              </a:ext>
-            </a:extLst>
-          </p:cNvPr>
-          <p:cNvSpPr>
-            <a:spLocks noGrp="1" noRot="1" noChangeAspect="1" noMove="1" noResize="1" noEditPoints="1" noAdjustHandles="1" noChangeArrowheads="1" noChangeShapeType="1" noTextEdit="1"/>
-          </p:cNvSpPr>
-          <p:nvPr>
-            <p:extLst>
-              <p:ext uri="{386F3935-93C4-4BCD-93E2-E3B085C9AB24}">
-                <p16:designElem xmlns:p16="http://schemas.microsoft.com/office/powerpoint/2015/main" val="1"/>
-              </p:ext>
-            </p:extLst>
-          </p:nvPr>
-        </p:nvSpPr>
-        <p:spPr>
-          <a:xfrm>
-            <a:off x="0" y="0"/>
-            <a:ext cx="12191999" cy="6858000"/>
-          </a:xfrm>
-          <a:prstGeom prst="rect">
-            <a:avLst/>
-          </a:prstGeom>
-          <a:ln>
-            <a:noFill/>
-          </a:ln>
-        </p:spPr>
-        <p:style>
-          <a:lnRef idx="2">
-            <a:schemeClr val="accent1">
-              <a:shade val="50000"/>
-            </a:schemeClr>
-          </a:lnRef>
-          <a:fillRef idx="1003">
-            <a:schemeClr val="dk2"/>
-          </a:fillRef>
-          <a:effectRef idx="0">
-            <a:schemeClr val="accent1"/>
-          </a:effectRef>
-          <a:fontRef idx="minor">
-            <a:schemeClr val="lt1"/>
-          </a:fontRef>
-        </p:style>
-        <p:txBody>
-          <a:bodyPr rtlCol="0" anchor="ctr"/>
-          <a:lstStyle/>
-          <a:p>
-            <a:pPr algn="ctr"/>
-            <a:endParaRPr lang="en-US"/>
-          </a:p>
-        </p:txBody>
-      </p:sp>
-      <p:sp>
-        <p:nvSpPr>
-          <p:cNvPr id="2" name="Title 1">
-            <a:extLst>
-              <a:ext uri="{FF2B5EF4-FFF2-40B4-BE49-F238E27FC236}">
-                <a16:creationId xmlns:a16="http://schemas.microsoft.com/office/drawing/2014/main" id="{128AC6DC-6515-8612-F243-696EB0B2AA5A}"/>
-              </a:ext>
-            </a:extLst>
-          </p:cNvPr>
-          <p:cNvSpPr>
-            <a:spLocks noGrp="1"/>
-          </p:cNvSpPr>
-          <p:nvPr>
-            <p:ph type="title"/>
-          </p:nvPr>
-        </p:nvSpPr>
-        <p:spPr>
-          <a:xfrm>
-            <a:off x="648929" y="1063417"/>
-            <a:ext cx="3505495" cy="4675396"/>
-          </a:xfrm>
-        </p:spPr>
-        <p:txBody>
-          <a:bodyPr anchor="ctr">
-            <a:normAutofit/>
-          </a:bodyPr>
-          <a:lstStyle/>
-          <a:p>
-            <a:r>
-              <a:rPr lang="en-US" b="0" i="0">
-                <a:solidFill>
-                  <a:srgbClr val="F2F2F2"/>
-                </a:solidFill>
-                <a:effectLst/>
-                <a:latin typeface="+mn-lt"/>
-              </a:rPr>
-              <a:t>Overview of Feature Extraction Methods:</a:t>
-            </a:r>
-            <a:endParaRPr lang="en-US">
-              <a:solidFill>
-                <a:srgbClr val="F2F2F2"/>
-              </a:solidFill>
-              <a:latin typeface="+mn-lt"/>
-            </a:endParaRPr>
-          </a:p>
-        </p:txBody>
-      </p:sp>
-      <p:sp>
-        <p:nvSpPr>
-          <p:cNvPr id="30" name="Rectangle 29">
-            <a:extLst>
-              <a:ext uri="{FF2B5EF4-FFF2-40B4-BE49-F238E27FC236}">
-                <a16:creationId xmlns:a16="http://schemas.microsoft.com/office/drawing/2014/main" id="{61B4701B-39FE-43B8-86AA-D6B8789C2207}"/>
-              </a:ext>
-              <a:ext uri="{C183D7F6-B498-43B3-948B-1728B52AA6E4}">
-                <adec:decorative xmlns:adec="http://schemas.microsoft.com/office/drawing/2017/decorative" val="1"/>
-              </a:ext>
-            </a:extLst>
-          </p:cNvPr>
-          <p:cNvSpPr>
-            <a:spLocks noGrp="1" noRot="1" noChangeAspect="1" noMove="1" noResize="1" noEditPoints="1" noAdjustHandles="1" noChangeArrowheads="1" noChangeShapeType="1" noTextEdit="1"/>
-          </p:cNvSpPr>
-          <p:nvPr>
-            <p:extLst>
-              <p:ext uri="{386F3935-93C4-4BCD-93E2-E3B085C9AB24}">
-                <p16:designElem xmlns:p16="http://schemas.microsoft.com/office/powerpoint/2015/main" val="1"/>
-              </p:ext>
-            </p:extLst>
-          </p:nvPr>
-        </p:nvSpPr>
-        <p:spPr>
-          <a:xfrm>
-            <a:off x="4639056" y="0"/>
-            <a:ext cx="7552944" cy="6858000"/>
-          </a:xfrm>
-          <a:prstGeom prst="rect">
-            <a:avLst/>
-          </a:prstGeom>
-          <a:solidFill>
-            <a:srgbClr val="FFFFFF"/>
-          </a:solidFill>
-          <a:ln>
-            <a:noFill/>
-          </a:ln>
-        </p:spPr>
-        <p:style>
-          <a:lnRef idx="2">
-            <a:schemeClr val="accent1">
-              <a:shade val="50000"/>
-            </a:schemeClr>
-          </a:lnRef>
-          <a:fillRef idx="1">
-            <a:schemeClr val="accent1"/>
-          </a:fillRef>
-          <a:effectRef idx="0">
-            <a:schemeClr val="accent1"/>
-          </a:effectRef>
-          <a:fontRef idx="minor">
-            <a:schemeClr val="lt1"/>
-          </a:fontRef>
-        </p:style>
-        <p:txBody>
-          <a:bodyPr rtlCol="0" anchor="ctr"/>
-          <a:lstStyle/>
-          <a:p>
-            <a:pPr algn="ctr"/>
-            <a:endParaRPr lang="en-US"/>
-          </a:p>
-        </p:txBody>
-      </p:sp>
-      <p:sp useBgFill="1">
-        <p:nvSpPr>
-          <p:cNvPr id="31" name="Rounded Rectangle 9">
-            <a:extLst>
-              <a:ext uri="{FF2B5EF4-FFF2-40B4-BE49-F238E27FC236}">
-                <a16:creationId xmlns:a16="http://schemas.microsoft.com/office/drawing/2014/main" id="{E9A7EF13-49FA-4355-971A-34B065F35022}"/>
-              </a:ext>
-              <a:ext uri="{C183D7F6-B498-43B3-948B-1728B52AA6E4}">
-                <adec:decorative xmlns:adec="http://schemas.microsoft.com/office/drawing/2017/decorative" val="1"/>
-              </a:ext>
-            </a:extLst>
-          </p:cNvPr>
-          <p:cNvSpPr>
-            <a:spLocks noGrp="1" noRot="1" noChangeAspect="1" noMove="1" noResize="1" noEditPoints="1" noAdjustHandles="1" noChangeArrowheads="1" noChangeShapeType="1" noTextEdit="1"/>
-          </p:cNvSpPr>
-          <p:nvPr>
-            <p:extLst>
-              <p:ext uri="{386F3935-93C4-4BCD-93E2-E3B085C9AB24}">
-                <p16:designElem xmlns:p16="http://schemas.microsoft.com/office/powerpoint/2015/main" val="1"/>
-              </p:ext>
-            </p:extLst>
-          </p:nvPr>
-        </p:nvSpPr>
-        <p:spPr>
-          <a:xfrm>
-            <a:off x="5123688" y="484632"/>
-            <a:ext cx="6584098" cy="5739187"/>
-          </a:xfrm>
-          <a:prstGeom prst="roundRect">
-            <a:avLst>
-              <a:gd name="adj" fmla="val 0"/>
-            </a:avLst>
-          </a:prstGeom>
-          <a:ln w="12700" cap="sq">
-            <a:solidFill>
-              <a:schemeClr val="bg1">
-                <a:lumMod val="75000"/>
-              </a:schemeClr>
-            </a:solidFill>
-            <a:miter lim="800000"/>
-          </a:ln>
-          <a:effectLst>
-            <a:outerShdw blurRad="63500" dist="25400" dir="5400000" algn="tl" rotWithShape="0">
-              <a:srgbClr val="000000">
-                <a:alpha val="39000"/>
-              </a:srgbClr>
-            </a:outerShdw>
-          </a:effectLst>
-        </p:spPr>
-        <p:style>
-          <a:lnRef idx="2">
-            <a:schemeClr val="accent1">
-              <a:shade val="50000"/>
-            </a:schemeClr>
-          </a:lnRef>
-          <a:fillRef idx="1">
-            <a:schemeClr val="accent1"/>
-          </a:fillRef>
-          <a:effectRef idx="0">
-            <a:schemeClr val="accent1"/>
-          </a:effectRef>
-          <a:fontRef idx="minor">
-            <a:schemeClr val="lt1"/>
-          </a:fontRef>
-        </p:style>
-        <p:txBody>
-          <a:bodyPr rtlCol="0" anchor="ctr"/>
-          <a:lstStyle/>
-          <a:p>
-            <a:pPr algn="ctr"/>
-            <a:endParaRPr lang="en-US"/>
-          </a:p>
-        </p:txBody>
-      </p:sp>
-      <p:sp>
-        <p:nvSpPr>
-          <p:cNvPr id="32" name="Rectangle 31">
-            <a:extLst>
-              <a:ext uri="{FF2B5EF4-FFF2-40B4-BE49-F238E27FC236}">
-                <a16:creationId xmlns:a16="http://schemas.microsoft.com/office/drawing/2014/main" id="{92CF3C3E-0F7B-4F0C-8EBD-BDD38E9C66F5}"/>
-              </a:ext>
-              <a:ext uri="{C183D7F6-B498-43B3-948B-1728B52AA6E4}">
-                <adec:decorative xmlns:adec="http://schemas.microsoft.com/office/drawing/2017/decorative" val="1"/>
-              </a:ext>
-            </a:extLst>
-          </p:cNvPr>
-          <p:cNvSpPr>
-            <a:spLocks noGrp="1" noRot="1" noChangeAspect="1" noMove="1" noResize="1" noEditPoints="1" noAdjustHandles="1" noChangeArrowheads="1" noChangeShapeType="1" noTextEdit="1"/>
-          </p:cNvSpPr>
-          <p:nvPr>
-            <p:extLst>
-              <p:ext uri="{386F3935-93C4-4BCD-93E2-E3B085C9AB24}">
-                <p16:designElem xmlns:p16="http://schemas.microsoft.com/office/powerpoint/2015/main" val="1"/>
-              </p:ext>
-            </p:extLst>
-          </p:nvPr>
-        </p:nvSpPr>
-        <p:spPr>
-          <a:xfrm>
-            <a:off x="10442448" y="0"/>
-            <a:ext cx="685800" cy="1143000"/>
-          </a:xfrm>
-          <a:prstGeom prst="rect">
-            <a:avLst/>
-          </a:prstGeom>
-          <a:solidFill>
-            <a:schemeClr val="accent1"/>
-          </a:solidFill>
-          <a:ln>
-            <a:noFill/>
-          </a:ln>
-        </p:spPr>
-        <p:style>
-          <a:lnRef idx="1">
-            <a:schemeClr val="accent1"/>
-          </a:lnRef>
-          <a:fillRef idx="3">
-            <a:schemeClr val="accent1"/>
-          </a:fillRef>
-          <a:effectRef idx="2">
-            <a:schemeClr val="accent1"/>
-          </a:effectRef>
-          <a:fontRef idx="minor">
-            <a:schemeClr val="lt1"/>
-          </a:fontRef>
-        </p:style>
-        <p:txBody>
-          <a:bodyPr/>
-          <a:lstStyle/>
-          <a:p>
-            <a:endParaRPr lang="en-US"/>
-          </a:p>
-        </p:txBody>
-      </p:sp>
-      <p:graphicFrame>
-        <p:nvGraphicFramePr>
-          <p:cNvPr id="16" name="Content Placeholder 2">
-            <a:extLst>
-              <a:ext uri="{FF2B5EF4-FFF2-40B4-BE49-F238E27FC236}">
-                <a16:creationId xmlns:a16="http://schemas.microsoft.com/office/drawing/2014/main" id="{504112B8-4FD2-53CF-0836-14AC5CB3A64A}"/>
-              </a:ext>
-            </a:extLst>
-          </p:cNvPr>
-          <p:cNvGraphicFramePr>
-            <a:graphicFrameLocks noGrp="1"/>
-          </p:cNvGraphicFramePr>
-          <p:nvPr>
-            <p:ph idx="1"/>
-            <p:extLst>
-              <p:ext uri="{D42A27DB-BD31-4B8C-83A1-F6EECF244321}">
-                <p14:modId xmlns:p14="http://schemas.microsoft.com/office/powerpoint/2010/main" val="498659376"/>
-              </p:ext>
-            </p:extLst>
-          </p:nvPr>
-        </p:nvGraphicFramePr>
-        <p:xfrm>
-          <a:off x="5608638" y="965200"/>
-          <a:ext cx="5614987" cy="4773613"/>
-        </p:xfrm>
-        <a:graphic>
-          <a:graphicData uri="http://schemas.openxmlformats.org/drawingml/2006/diagram">
-            <dgm:relIds xmlns:dgm="http://schemas.openxmlformats.org/drawingml/2006/diagram" xmlns:r="http://schemas.openxmlformats.org/officeDocument/2006/relationships" r:dm="rId2" r:lo="rId3" r:qs="rId4" r:cs="rId5"/>
-          </a:graphicData>
-        </a:graphic>
-      </p:graphicFrame>
-    </p:spTree>
-    <p:extLst>
-      <p:ext uri="{BB962C8B-B14F-4D97-AF65-F5344CB8AC3E}">
-        <p14:creationId xmlns:p14="http://schemas.microsoft.com/office/powerpoint/2010/main" val="1106695170"/>
-      </p:ext>
-    </p:extLst>
-  </p:cSld>
-  <p:clrMapOvr>
-    <a:overrideClrMapping bg1="lt1" tx1="dk1" bg2="lt2" tx2="dk2" accent1="accent1" accent2="accent2" accent3="accent3" accent4="accent4" accent5="accent5" accent6="accent6" hlink="hlink" folHlink="folHlink"/>
   </p:clrMapOvr>
 </p:sld>
 </file>
@@ -22440,6 +22201,379 @@
       </p:grpSpPr>
       <p:sp>
         <p:nvSpPr>
+          <p:cNvPr id="29" name="Rectangle 28">
+            <a:extLst>
+              <a:ext uri="{FF2B5EF4-FFF2-40B4-BE49-F238E27FC236}">
+                <a16:creationId xmlns:a16="http://schemas.microsoft.com/office/drawing/2014/main" id="{ABE6F9A3-300E-47F5-B41C-C8C5E758DE7C}"/>
+              </a:ext>
+              <a:ext uri="{C183D7F6-B498-43B3-948B-1728B52AA6E4}">
+                <adec:decorative xmlns:adec="http://schemas.microsoft.com/office/drawing/2017/decorative" val="1"/>
+              </a:ext>
+            </a:extLst>
+          </p:cNvPr>
+          <p:cNvSpPr>
+            <a:spLocks noGrp="1" noRot="1" noChangeAspect="1" noMove="1" noResize="1" noEditPoints="1" noAdjustHandles="1" noChangeArrowheads="1" noChangeShapeType="1" noTextEdit="1"/>
+          </p:cNvSpPr>
+          <p:nvPr>
+            <p:extLst>
+              <p:ext uri="{386F3935-93C4-4BCD-93E2-E3B085C9AB24}">
+                <p16:designElem xmlns:p16="http://schemas.microsoft.com/office/powerpoint/2015/main" val="1"/>
+              </p:ext>
+            </p:extLst>
+          </p:nvPr>
+        </p:nvSpPr>
+        <p:spPr>
+          <a:xfrm>
+            <a:off x="0" y="0"/>
+            <a:ext cx="12191999" cy="6858000"/>
+          </a:xfrm>
+          <a:prstGeom prst="rect">
+            <a:avLst/>
+          </a:prstGeom>
+          <a:ln>
+            <a:noFill/>
+          </a:ln>
+        </p:spPr>
+        <p:style>
+          <a:lnRef idx="2">
+            <a:schemeClr val="accent1">
+              <a:shade val="50000"/>
+            </a:schemeClr>
+          </a:lnRef>
+          <a:fillRef idx="1003">
+            <a:schemeClr val="dk2"/>
+          </a:fillRef>
+          <a:effectRef idx="0">
+            <a:schemeClr val="accent1"/>
+          </a:effectRef>
+          <a:fontRef idx="minor">
+            <a:schemeClr val="lt1"/>
+          </a:fontRef>
+        </p:style>
+        <p:txBody>
+          <a:bodyPr rtlCol="0" anchor="ctr"/>
+          <a:lstStyle/>
+          <a:p>
+            <a:pPr algn="ctr"/>
+            <a:endParaRPr lang="en-US"/>
+          </a:p>
+        </p:txBody>
+      </p:sp>
+      <p:sp>
+        <p:nvSpPr>
+          <p:cNvPr id="2" name="Title 1">
+            <a:extLst>
+              <a:ext uri="{FF2B5EF4-FFF2-40B4-BE49-F238E27FC236}">
+                <a16:creationId xmlns:a16="http://schemas.microsoft.com/office/drawing/2014/main" id="{128AC6DC-6515-8612-F243-696EB0B2AA5A}"/>
+              </a:ext>
+            </a:extLst>
+          </p:cNvPr>
+          <p:cNvSpPr>
+            <a:spLocks noGrp="1"/>
+          </p:cNvSpPr>
+          <p:nvPr>
+            <p:ph type="title"/>
+          </p:nvPr>
+        </p:nvSpPr>
+        <p:spPr>
+          <a:xfrm>
+            <a:off x="648929" y="1063417"/>
+            <a:ext cx="3505495" cy="4675396"/>
+          </a:xfrm>
+        </p:spPr>
+        <p:txBody>
+          <a:bodyPr anchor="ctr">
+            <a:normAutofit/>
+          </a:bodyPr>
+          <a:lstStyle/>
+          <a:p>
+            <a:r>
+              <a:rPr lang="en-US" b="0" i="0">
+                <a:solidFill>
+                  <a:srgbClr val="F2F2F2"/>
+                </a:solidFill>
+                <a:effectLst/>
+                <a:latin typeface="+mn-lt"/>
+              </a:rPr>
+              <a:t>Overview of Feature Extraction Methods:</a:t>
+            </a:r>
+            <a:endParaRPr lang="en-US">
+              <a:solidFill>
+                <a:srgbClr val="F2F2F2"/>
+              </a:solidFill>
+              <a:latin typeface="+mn-lt"/>
+            </a:endParaRPr>
+          </a:p>
+        </p:txBody>
+      </p:sp>
+      <p:sp>
+        <p:nvSpPr>
+          <p:cNvPr id="30" name="Rectangle 29">
+            <a:extLst>
+              <a:ext uri="{FF2B5EF4-FFF2-40B4-BE49-F238E27FC236}">
+                <a16:creationId xmlns:a16="http://schemas.microsoft.com/office/drawing/2014/main" id="{61B4701B-39FE-43B8-86AA-D6B8789C2207}"/>
+              </a:ext>
+              <a:ext uri="{C183D7F6-B498-43B3-948B-1728B52AA6E4}">
+                <adec:decorative xmlns:adec="http://schemas.microsoft.com/office/drawing/2017/decorative" val="1"/>
+              </a:ext>
+            </a:extLst>
+          </p:cNvPr>
+          <p:cNvSpPr>
+            <a:spLocks noGrp="1" noRot="1" noChangeAspect="1" noMove="1" noResize="1" noEditPoints="1" noAdjustHandles="1" noChangeArrowheads="1" noChangeShapeType="1" noTextEdit="1"/>
+          </p:cNvSpPr>
+          <p:nvPr>
+            <p:extLst>
+              <p:ext uri="{386F3935-93C4-4BCD-93E2-E3B085C9AB24}">
+                <p16:designElem xmlns:p16="http://schemas.microsoft.com/office/powerpoint/2015/main" val="1"/>
+              </p:ext>
+            </p:extLst>
+          </p:nvPr>
+        </p:nvSpPr>
+        <p:spPr>
+          <a:xfrm>
+            <a:off x="4639056" y="0"/>
+            <a:ext cx="7552944" cy="6858000"/>
+          </a:xfrm>
+          <a:prstGeom prst="rect">
+            <a:avLst/>
+          </a:prstGeom>
+          <a:solidFill>
+            <a:srgbClr val="FFFFFF"/>
+          </a:solidFill>
+          <a:ln>
+            <a:noFill/>
+          </a:ln>
+        </p:spPr>
+        <p:style>
+          <a:lnRef idx="2">
+            <a:schemeClr val="accent1">
+              <a:shade val="50000"/>
+            </a:schemeClr>
+          </a:lnRef>
+          <a:fillRef idx="1">
+            <a:schemeClr val="accent1"/>
+          </a:fillRef>
+          <a:effectRef idx="0">
+            <a:schemeClr val="accent1"/>
+          </a:effectRef>
+          <a:fontRef idx="minor">
+            <a:schemeClr val="lt1"/>
+          </a:fontRef>
+        </p:style>
+        <p:txBody>
+          <a:bodyPr rtlCol="0" anchor="ctr"/>
+          <a:lstStyle/>
+          <a:p>
+            <a:pPr algn="ctr"/>
+            <a:endParaRPr lang="en-US"/>
+          </a:p>
+        </p:txBody>
+      </p:sp>
+      <p:sp useBgFill="1">
+        <p:nvSpPr>
+          <p:cNvPr id="31" name="Rounded Rectangle 9">
+            <a:extLst>
+              <a:ext uri="{FF2B5EF4-FFF2-40B4-BE49-F238E27FC236}">
+                <a16:creationId xmlns:a16="http://schemas.microsoft.com/office/drawing/2014/main" id="{E9A7EF13-49FA-4355-971A-34B065F35022}"/>
+              </a:ext>
+              <a:ext uri="{C183D7F6-B498-43B3-948B-1728B52AA6E4}">
+                <adec:decorative xmlns:adec="http://schemas.microsoft.com/office/drawing/2017/decorative" val="1"/>
+              </a:ext>
+            </a:extLst>
+          </p:cNvPr>
+          <p:cNvSpPr>
+            <a:spLocks noGrp="1" noRot="1" noChangeAspect="1" noMove="1" noResize="1" noEditPoints="1" noAdjustHandles="1" noChangeArrowheads="1" noChangeShapeType="1" noTextEdit="1"/>
+          </p:cNvSpPr>
+          <p:nvPr>
+            <p:extLst>
+              <p:ext uri="{386F3935-93C4-4BCD-93E2-E3B085C9AB24}">
+                <p16:designElem xmlns:p16="http://schemas.microsoft.com/office/powerpoint/2015/main" val="1"/>
+              </p:ext>
+            </p:extLst>
+          </p:nvPr>
+        </p:nvSpPr>
+        <p:spPr>
+          <a:xfrm>
+            <a:off x="5123688" y="484632"/>
+            <a:ext cx="6584098" cy="5739187"/>
+          </a:xfrm>
+          <a:prstGeom prst="roundRect">
+            <a:avLst>
+              <a:gd name="adj" fmla="val 0"/>
+            </a:avLst>
+          </a:prstGeom>
+          <a:ln w="12700" cap="sq">
+            <a:solidFill>
+              <a:schemeClr val="bg1">
+                <a:lumMod val="75000"/>
+              </a:schemeClr>
+            </a:solidFill>
+            <a:miter lim="800000"/>
+          </a:ln>
+          <a:effectLst>
+            <a:outerShdw blurRad="63500" dist="25400" dir="5400000" algn="tl" rotWithShape="0">
+              <a:srgbClr val="000000">
+                <a:alpha val="39000"/>
+              </a:srgbClr>
+            </a:outerShdw>
+          </a:effectLst>
+        </p:spPr>
+        <p:style>
+          <a:lnRef idx="2">
+            <a:schemeClr val="accent1">
+              <a:shade val="50000"/>
+            </a:schemeClr>
+          </a:lnRef>
+          <a:fillRef idx="1">
+            <a:schemeClr val="accent1"/>
+          </a:fillRef>
+          <a:effectRef idx="0">
+            <a:schemeClr val="accent1"/>
+          </a:effectRef>
+          <a:fontRef idx="minor">
+            <a:schemeClr val="lt1"/>
+          </a:fontRef>
+        </p:style>
+        <p:txBody>
+          <a:bodyPr rtlCol="0" anchor="ctr"/>
+          <a:lstStyle/>
+          <a:p>
+            <a:pPr algn="ctr"/>
+            <a:endParaRPr lang="en-US"/>
+          </a:p>
+        </p:txBody>
+      </p:sp>
+      <p:sp>
+        <p:nvSpPr>
+          <p:cNvPr id="32" name="Rectangle 31">
+            <a:extLst>
+              <a:ext uri="{FF2B5EF4-FFF2-40B4-BE49-F238E27FC236}">
+                <a16:creationId xmlns:a16="http://schemas.microsoft.com/office/drawing/2014/main" id="{92CF3C3E-0F7B-4F0C-8EBD-BDD38E9C66F5}"/>
+              </a:ext>
+              <a:ext uri="{C183D7F6-B498-43B3-948B-1728B52AA6E4}">
+                <adec:decorative xmlns:adec="http://schemas.microsoft.com/office/drawing/2017/decorative" val="1"/>
+              </a:ext>
+            </a:extLst>
+          </p:cNvPr>
+          <p:cNvSpPr>
+            <a:spLocks noGrp="1" noRot="1" noChangeAspect="1" noMove="1" noResize="1" noEditPoints="1" noAdjustHandles="1" noChangeArrowheads="1" noChangeShapeType="1" noTextEdit="1"/>
+          </p:cNvSpPr>
+          <p:nvPr>
+            <p:extLst>
+              <p:ext uri="{386F3935-93C4-4BCD-93E2-E3B085C9AB24}">
+                <p16:designElem xmlns:p16="http://schemas.microsoft.com/office/powerpoint/2015/main" val="1"/>
+              </p:ext>
+            </p:extLst>
+          </p:nvPr>
+        </p:nvSpPr>
+        <p:spPr>
+          <a:xfrm>
+            <a:off x="10442448" y="0"/>
+            <a:ext cx="685800" cy="1143000"/>
+          </a:xfrm>
+          <a:prstGeom prst="rect">
+            <a:avLst/>
+          </a:prstGeom>
+          <a:solidFill>
+            <a:schemeClr val="accent1"/>
+          </a:solidFill>
+          <a:ln>
+            <a:noFill/>
+          </a:ln>
+        </p:spPr>
+        <p:style>
+          <a:lnRef idx="1">
+            <a:schemeClr val="accent1"/>
+          </a:lnRef>
+          <a:fillRef idx="3">
+            <a:schemeClr val="accent1"/>
+          </a:fillRef>
+          <a:effectRef idx="2">
+            <a:schemeClr val="accent1"/>
+          </a:effectRef>
+          <a:fontRef idx="minor">
+            <a:schemeClr val="lt1"/>
+          </a:fontRef>
+        </p:style>
+        <p:txBody>
+          <a:bodyPr/>
+          <a:lstStyle/>
+          <a:p>
+            <a:endParaRPr lang="en-US"/>
+          </a:p>
+        </p:txBody>
+      </p:sp>
+      <p:graphicFrame>
+        <p:nvGraphicFramePr>
+          <p:cNvPr id="16" name="Content Placeholder 2">
+            <a:extLst>
+              <a:ext uri="{FF2B5EF4-FFF2-40B4-BE49-F238E27FC236}">
+                <a16:creationId xmlns:a16="http://schemas.microsoft.com/office/drawing/2014/main" id="{504112B8-4FD2-53CF-0836-14AC5CB3A64A}"/>
+              </a:ext>
+            </a:extLst>
+          </p:cNvPr>
+          <p:cNvGraphicFramePr>
+            <a:graphicFrameLocks noGrp="1"/>
+          </p:cNvGraphicFramePr>
+          <p:nvPr>
+            <p:ph idx="1"/>
+            <p:extLst>
+              <p:ext uri="{D42A27DB-BD31-4B8C-83A1-F6EECF244321}">
+                <p14:modId xmlns:p14="http://schemas.microsoft.com/office/powerpoint/2010/main" val="498659376"/>
+              </p:ext>
+            </p:extLst>
+          </p:nvPr>
+        </p:nvGraphicFramePr>
+        <p:xfrm>
+          <a:off x="5608638" y="965200"/>
+          <a:ext cx="5614987" cy="4773613"/>
+        </p:xfrm>
+        <a:graphic>
+          <a:graphicData uri="http://schemas.openxmlformats.org/drawingml/2006/diagram">
+            <dgm:relIds xmlns:dgm="http://schemas.openxmlformats.org/drawingml/2006/diagram" xmlns:r="http://schemas.openxmlformats.org/officeDocument/2006/relationships" r:dm="rId2" r:lo="rId3" r:qs="rId4" r:cs="rId5"/>
+          </a:graphicData>
+        </a:graphic>
+      </p:graphicFrame>
+    </p:spTree>
+    <p:extLst>
+      <p:ext uri="{BB962C8B-B14F-4D97-AF65-F5344CB8AC3E}">
+        <p14:creationId xmlns:p14="http://schemas.microsoft.com/office/powerpoint/2010/main" val="1106695170"/>
+      </p:ext>
+    </p:extLst>
+  </p:cSld>
+  <p:clrMapOvr>
+    <a:overrideClrMapping bg1="lt1" tx1="dk1" bg2="lt2" tx2="dk2" accent1="accent1" accent2="accent2" accent3="accent3" accent4="accent4" accent5="accent5" accent6="accent6" hlink="hlink" folHlink="folHlink"/>
+  </p:clrMapOvr>
+</p:sld>
+</file>
+
+<file path=ppt/slides/slide21.xml><?xml version="1.0" encoding="utf-8"?>
+<p:sld xmlns:a="http://schemas.openxmlformats.org/drawingml/2006/main" xmlns:r="http://schemas.openxmlformats.org/officeDocument/2006/relationships" xmlns:p="http://schemas.openxmlformats.org/presentationml/2006/main">
+  <p:cSld>
+    <p:bg>
+      <p:bgPr>
+        <a:solidFill>
+          <a:schemeClr val="bg1"/>
+        </a:solidFill>
+        <a:effectLst/>
+      </p:bgPr>
+    </p:bg>
+    <p:spTree>
+      <p:nvGrpSpPr>
+        <p:cNvPr id="1" name=""/>
+        <p:cNvGrpSpPr/>
+        <p:nvPr/>
+      </p:nvGrpSpPr>
+      <p:grpSpPr>
+        <a:xfrm>
+          <a:off x="0" y="0"/>
+          <a:ext cx="0" cy="0"/>
+          <a:chOff x="0" y="0"/>
+          <a:chExt cx="0" cy="0"/>
+        </a:xfrm>
+      </p:grpSpPr>
+      <p:sp>
+        <p:nvSpPr>
           <p:cNvPr id="9" name="Rectangle 8">
             <a:extLst>
               <a:ext uri="{FF2B5EF4-FFF2-40B4-BE49-F238E27FC236}">
@@ -22786,7 +22920,7 @@
 </p:sld>
 </file>
 
-<file path=ppt/slides/slide21.xml><?xml version="1.0" encoding="utf-8"?>
+<file path=ppt/slides/slide22.xml><?xml version="1.0" encoding="utf-8"?>
 <p:sld xmlns:a="http://schemas.openxmlformats.org/drawingml/2006/main" xmlns:r="http://schemas.openxmlformats.org/officeDocument/2006/relationships" xmlns:p="http://schemas.openxmlformats.org/presentationml/2006/main">
   <p:cSld>
     <p:bg>
@@ -22961,18 +23095,6 @@
             <a:normAutofit/>
           </a:bodyPr>
           <a:lstStyle/>
-          <a:p>
-            <a:r>
-              <a:rPr lang="en-US" i="0" dirty="0">
-                <a:solidFill>
-                  <a:srgbClr val="FFFFFF"/>
-                </a:solidFill>
-                <a:effectLst/>
-                <a:latin typeface="+mn-lt"/>
-              </a:rPr>
-              <a:t>Break down the feature extraction process into key steps and explain each step: </a:t>
-            </a:r>
-          </a:p>
           <a:p>
             <a:r>
               <a:rPr lang="en-US" i="0" dirty="0">
@@ -23576,7 +23698,7 @@
 </p:sld>
 </file>
 
-<file path=ppt/slides/slide22.xml><?xml version="1.0" encoding="utf-8"?>
+<file path=ppt/slides/slide23.xml><?xml version="1.0" encoding="utf-8"?>
 <p:sld xmlns:a="http://schemas.openxmlformats.org/drawingml/2006/main" xmlns:r="http://schemas.openxmlformats.org/officeDocument/2006/relationships" xmlns:p="http://schemas.openxmlformats.org/presentationml/2006/main">
   <p:cSld>
     <p:bg>
@@ -24682,94 +24804,75 @@
               </a:lnSpc>
             </a:pPr>
             <a:br>
-              <a:rPr lang="en-US" sz="1700"/>
+              <a:rPr lang="en-US" sz="1700" dirty="0"/>
             </a:br>
             <a:r>
-              <a:rPr lang="en-US" sz="1700" b="0" i="0">
+              <a:rPr lang="en-US" sz="1700" b="0" i="0" dirty="0">
                 <a:effectLst/>
                 <a:latin typeface="+mn-lt"/>
               </a:rPr>
               <a:t>The </a:t>
             </a:r>
             <a:r>
-              <a:rPr lang="en-US" sz="1700">
+              <a:rPr lang="en-US" sz="1700" dirty="0">
                 <a:latin typeface="+mn-lt"/>
               </a:rPr>
               <a:t>Https</a:t>
+            </a:r>
+            <a:r>
+              <a:rPr lang="en-US" sz="1700" b="0" i="0" dirty="0">
+                <a:effectLst/>
+                <a:latin typeface="+mn-lt"/>
+              </a:rPr>
+              <a:t> method checks if the URL uses HTTPS (Hypertext Transfer Protocol Secure). If the URL's scheme includes 'https', indicating a secure connection, it returns </a:t>
+            </a:r>
+            <a:r>
+              <a:rPr lang="en-US" sz="1700" dirty="0">
+                <a:latin typeface="+mn-lt"/>
+              </a:rPr>
+              <a:t>1</a:t>
+            </a:r>
+            <a:r>
+              <a:rPr lang="en-US" sz="1700" b="0" i="0" dirty="0">
+                <a:effectLst/>
+                <a:latin typeface="+mn-lt"/>
+              </a:rPr>
+              <a:t>, suggesting a legitimate site. Otherwise, it returns </a:t>
+            </a:r>
+            <a:r>
+              <a:rPr lang="en-US" sz="1700" dirty="0">
+                <a:latin typeface="+mn-lt"/>
+              </a:rPr>
+              <a:t>-1</a:t>
+            </a:r>
+            <a:r>
+              <a:rPr lang="en-US" sz="1700" b="0" i="0" dirty="0">
+                <a:effectLst/>
+                <a:latin typeface="+mn-lt"/>
+              </a:rPr>
+              <a:t>, indicating potential phishing. However, the exception handling seems to contradict typical expectations by returning </a:t>
+            </a:r>
+            <a:r>
+              <a:rPr lang="en-US" sz="1700" dirty="0">
+                <a:latin typeface="+mn-lt"/>
+              </a:rPr>
+              <a:t>1</a:t>
+            </a:r>
+            <a:r>
+              <a:rPr lang="en-US" sz="1700" b="0" i="0" dirty="0">
+                <a:effectLst/>
+                <a:latin typeface="+mn-lt"/>
+              </a:rPr>
+              <a:t> when an exception </a:t>
             </a:r>
             <a:r>
               <a:rPr lang="en-US" sz="1700" b="0" i="0">
                 <a:effectLst/>
                 <a:latin typeface="+mn-lt"/>
               </a:rPr>
-              <a:t> method checks if the URL uses HTTPS (Hypertext Transfer Protocol Secure). If the URL's scheme includes 'https', indicating a secure connection, it returns </a:t>
+              <a:t>occurs..</a:t>
             </a:r>
-            <a:r>
-              <a:rPr lang="en-US" sz="1700">
-                <a:latin typeface="+mn-lt"/>
-              </a:rPr>
-              <a:t>1</a:t>
-            </a:r>
-            <a:r>
-              <a:rPr lang="en-US" sz="1700" b="0" i="0">
-                <a:effectLst/>
-                <a:latin typeface="+mn-lt"/>
-              </a:rPr>
-              <a:t>, suggesting a legitimate site. Otherwise, it returns </a:t>
-            </a:r>
-            <a:r>
-              <a:rPr lang="en-US" sz="1700">
-                <a:latin typeface="+mn-lt"/>
-              </a:rPr>
-              <a:t>-1</a:t>
-            </a:r>
-            <a:r>
-              <a:rPr lang="en-US" sz="1700" b="0" i="0">
-                <a:effectLst/>
-                <a:latin typeface="+mn-lt"/>
-              </a:rPr>
-              <a:t>, indicating potential phishing. However, the exception handling seems to contradict typical expectations by returning </a:t>
-            </a:r>
-            <a:r>
-              <a:rPr lang="en-US" sz="1700">
-                <a:latin typeface="+mn-lt"/>
-              </a:rPr>
-              <a:t>1</a:t>
-            </a:r>
-            <a:r>
-              <a:rPr lang="en-US" sz="1700" b="0" i="0">
-                <a:effectLst/>
-                <a:latin typeface="+mn-lt"/>
-              </a:rPr>
-              <a:t> when an exception occurs. Typically, you might want to return </a:t>
-            </a:r>
-            <a:r>
-              <a:rPr lang="en-US" sz="1700">
-                <a:latin typeface="+mn-lt"/>
-              </a:rPr>
-              <a:t>-1</a:t>
-            </a:r>
-            <a:r>
-              <a:rPr lang="en-US" sz="1700" b="0" i="0">
-                <a:effectLst/>
-                <a:latin typeface="+mn-lt"/>
-              </a:rPr>
-              <a:t> in the </a:t>
-            </a:r>
-            <a:r>
-              <a:rPr lang="en-US" sz="1700">
-                <a:latin typeface="+mn-lt"/>
-              </a:rPr>
-              <a:t>except</a:t>
-            </a:r>
-            <a:r>
-              <a:rPr lang="en-US" sz="1700" b="0" i="0">
-                <a:effectLst/>
-                <a:latin typeface="+mn-lt"/>
-              </a:rPr>
-              <a:t> block to align with the cautious approach of treating URLs without clear HTTPS indications as potentially less secure or legitimate.</a:t>
-            </a:r>
-            <a:endParaRPr lang="en-US" sz="1700">
+            <a:endParaRPr lang="en-US" sz="1700" dirty="0">
               <a:latin typeface="+mn-lt"/>
             </a:endParaRPr>
           </a:p>
@@ -24788,7 +24891,7 @@
 </p:sld>
 </file>
 
-<file path=ppt/slides/slide23.xml><?xml version="1.0" encoding="utf-8"?>
+<file path=ppt/slides/slide24.xml><?xml version="1.0" encoding="utf-8"?>
 <p:sld xmlns:a="http://schemas.openxmlformats.org/drawingml/2006/main" xmlns:r="http://schemas.openxmlformats.org/officeDocument/2006/relationships" xmlns:p="http://schemas.openxmlformats.org/presentationml/2006/main">
   <p:cSld>
     <p:bg>
@@ -25161,7 +25264,7 @@
 </p:sld>
 </file>
 
-<file path=ppt/slides/slide24.xml><?xml version="1.0" encoding="utf-8"?>
+<file path=ppt/slides/slide25.xml><?xml version="1.0" encoding="utf-8"?>
 <p:sld xmlns:a="http://schemas.openxmlformats.org/drawingml/2006/main" xmlns:r="http://schemas.openxmlformats.org/officeDocument/2006/relationships" xmlns:p="http://schemas.openxmlformats.org/presentationml/2006/main">
   <p:cSld>
     <p:spTree>
@@ -25399,7 +25502,7 @@
 </p:sld>
 </file>
 
-<file path=ppt/slides/slide25.xml><?xml version="1.0" encoding="utf-8"?>
+<file path=ppt/slides/slide26.xml><?xml version="1.0" encoding="utf-8"?>
 <p:sld xmlns:a="http://schemas.openxmlformats.org/drawingml/2006/main" xmlns:r="http://schemas.openxmlformats.org/officeDocument/2006/relationships" xmlns:p="http://schemas.openxmlformats.org/presentationml/2006/main">
   <p:cSld>
     <p:bg>
@@ -28524,66 +28627,343 @@
           </a:xfrm>
         </p:spPr>
         <p:txBody>
-          <a:bodyPr/>
+          <a:bodyPr>
+            <a:normAutofit lnSpcReduction="10000"/>
+          </a:bodyPr>
           <a:lstStyle/>
           <a:p>
             <a:pPr marL="0" indent="0">
               <a:buNone/>
             </a:pPr>
             <a:r>
-              <a:rPr lang="en-US" dirty="0"/>
-              <a:t>SIGNIFICANCE:</a:t>
+              <a:rPr lang="en-US" sz="2100" dirty="0">
+                <a:latin typeface="+mn-lt"/>
+              </a:rPr>
+              <a:t>Interpretation Of Pair Plots:</a:t>
             </a:r>
           </a:p>
           <a:p>
-            <a:endParaRPr lang="en-US" dirty="0"/>
-          </a:p>
-          <a:p>
             <a:pPr algn="l">
-              <a:buFont typeface="Arial" panose="020B0604020202020204" pitchFamily="34" charset="0"/>
-              <a:buChar char="•"/>
+              <a:buFont typeface="+mj-lt"/>
+              <a:buAutoNum type="arabicPeriod"/>
             </a:pPr>
             <a:r>
-              <a:rPr lang="en-US" i="0" dirty="0">
+              <a:rPr lang="en-US" sz="1800" b="1" i="0" dirty="0">
                 <a:solidFill>
-                  <a:srgbClr val="D1D5DB"/>
+                  <a:srgbClr val="ECECEC"/>
                 </a:solidFill>
                 <a:effectLst/>
                 <a:latin typeface="+mn-lt"/>
               </a:rPr>
-              <a:t>Exploring Feature Interactions: For your phishing URL detection project, pair plots enable you to see how different URL features relate to each other. For example, you might see if longer URLs tend to have more subdomains or if HTTPS usage correlates with certain patterns in anchor URLs.</a:t>
+              <a:t>Diagonal (Histograms)</a:t>
             </a:r>
-          </a:p>
-          <a:p>
-            <a:pPr algn="l">
-              <a:buFont typeface="Arial" panose="020B0604020202020204" pitchFamily="34" charset="0"/>
-              <a:buChar char="•"/>
-            </a:pPr>
             <a:r>
-              <a:rPr lang="en-US" i="0" dirty="0">
+              <a:rPr lang="en-US" sz="1800" b="0" i="0" dirty="0">
                 <a:solidFill>
-                  <a:srgbClr val="D1D5DB"/>
+                  <a:srgbClr val="ECECEC"/>
                 </a:solidFill>
                 <a:effectLst/>
                 <a:latin typeface="+mn-lt"/>
               </a:rPr>
-              <a:t>Class Separation: If you color the points by the class label (phishing, suspicious, legitimate), as it seems to be in your graph, you can observe how well-separated the classes are based on the features. If the colors form distinct clusters, it suggests that the features could be good predictors for classifying URLs.</a:t>
+              <a:t>:</a:t>
             </a:r>
           </a:p>
           <a:p>
-            <a:pPr algn="l">
-              <a:buFont typeface="Arial" panose="020B0604020202020204" pitchFamily="34" charset="0"/>
-              <a:buChar char="•"/>
+            <a:pPr marL="742950" lvl="1" indent="-285750" algn="l">
+              <a:buFont typeface="+mj-lt"/>
+              <a:buAutoNum type="arabicPeriod"/>
             </a:pPr>
             <a:r>
-              <a:rPr lang="en-US" i="0" dirty="0">
+              <a:rPr lang="en-US" b="0" i="0" dirty="0">
                 <a:solidFill>
-                  <a:srgbClr val="D1D5DB"/>
+                  <a:srgbClr val="ECECEC"/>
                 </a:solidFill>
                 <a:effectLst/>
                 <a:latin typeface="+mn-lt"/>
               </a:rPr>
-              <a:t>Guiding Feature Engineering: Insights from pair plots can guide feature engineering. For example, if you notice that phishing URLs have a certain pattern of subdomains and HTTPS usage, you might create a feature that captures this interaction.</a:t>
+              <a:t>These are not simple histograms but rather density plots, which are smoothed versions of histograms. They show the distribution of a single variable for different classes</a:t>
+            </a:r>
+          </a:p>
+          <a:p>
+            <a:pPr marL="742950" lvl="1" indent="-285750" algn="l">
+              <a:buFont typeface="+mj-lt"/>
+              <a:buAutoNum type="arabicPeriod"/>
+            </a:pPr>
+            <a:r>
+              <a:rPr lang="en-US" b="0" i="0" dirty="0">
+                <a:solidFill>
+                  <a:srgbClr val="ECECEC"/>
+                </a:solidFill>
+                <a:effectLst/>
+                <a:latin typeface="+mn-lt"/>
+              </a:rPr>
+              <a:t>Each plot corresponds to one of the features in dataset: </a:t>
+            </a:r>
+            <a:r>
+              <a:rPr lang="en-US" b="0" i="0" dirty="0" err="1">
+                <a:solidFill>
+                  <a:srgbClr val="ECECEC"/>
+                </a:solidFill>
+                <a:effectLst/>
+                <a:latin typeface="+mn-lt"/>
+              </a:rPr>
+              <a:t>PrefixSuffix</a:t>
+            </a:r>
+            <a:r>
+              <a:rPr lang="en-US" b="0" i="0" dirty="0">
+                <a:solidFill>
+                  <a:srgbClr val="ECECEC"/>
+                </a:solidFill>
+                <a:effectLst/>
+                <a:latin typeface="+mn-lt"/>
+              </a:rPr>
+              <a:t>-, </a:t>
+            </a:r>
+            <a:r>
+              <a:rPr lang="en-US" b="0" i="0" dirty="0" err="1">
+                <a:solidFill>
+                  <a:srgbClr val="ECECEC"/>
+                </a:solidFill>
+                <a:effectLst/>
+                <a:latin typeface="+mn-lt"/>
+              </a:rPr>
+              <a:t>SubDomains</a:t>
+            </a:r>
+            <a:r>
+              <a:rPr lang="en-US" b="0" i="0" dirty="0">
+                <a:solidFill>
+                  <a:srgbClr val="ECECEC"/>
+                </a:solidFill>
+                <a:effectLst/>
+                <a:latin typeface="+mn-lt"/>
+              </a:rPr>
+              <a:t>, HTTPS, </a:t>
+            </a:r>
+            <a:r>
+              <a:rPr lang="en-US" b="0" i="0" dirty="0" err="1">
+                <a:solidFill>
+                  <a:srgbClr val="ECECEC"/>
+                </a:solidFill>
+                <a:effectLst/>
+                <a:latin typeface="+mn-lt"/>
+              </a:rPr>
+              <a:t>AnchorURL</a:t>
+            </a:r>
+            <a:r>
+              <a:rPr lang="en-US" b="0" i="0" dirty="0">
+                <a:solidFill>
+                  <a:srgbClr val="ECECEC"/>
+                </a:solidFill>
+                <a:effectLst/>
+                <a:latin typeface="+mn-lt"/>
+              </a:rPr>
+              <a:t>, and </a:t>
+            </a:r>
+            <a:r>
+              <a:rPr lang="en-US" b="0" i="0" dirty="0" err="1">
+                <a:solidFill>
+                  <a:srgbClr val="ECECEC"/>
+                </a:solidFill>
+                <a:effectLst/>
+                <a:latin typeface="+mn-lt"/>
+              </a:rPr>
+              <a:t>WebsiteTraffic</a:t>
+            </a:r>
+            <a:r>
+              <a:rPr lang="en-US" b="0" i="0" dirty="0">
+                <a:solidFill>
+                  <a:srgbClr val="ECECEC"/>
+                </a:solidFill>
+                <a:effectLst/>
+                <a:latin typeface="+mn-lt"/>
+              </a:rPr>
+              <a:t>.</a:t>
+            </a:r>
+          </a:p>
+          <a:p>
+            <a:pPr marL="742950" lvl="1" indent="-285750" algn="l">
+              <a:buFont typeface="+mj-lt"/>
+              <a:buAutoNum type="arabicPeriod"/>
+            </a:pPr>
+            <a:r>
+              <a:rPr lang="en-US" b="0" i="0" dirty="0">
+                <a:solidFill>
+                  <a:srgbClr val="ECECEC"/>
+                </a:solidFill>
+                <a:effectLst/>
+                <a:latin typeface="+mn-lt"/>
+              </a:rPr>
+              <a:t>The two colors in each plot correspond to two different classes, let’s say class 0 (shown in pink) and class 1 (shown in grey). If we assume that class 0 represents legitimate websites and class 1 represents phishing websites, then these plots show how features of these two types of websites differ. For example, benign websites might commonly not use </a:t>
+            </a:r>
+            <a:r>
+              <a:rPr lang="en-US" b="0" i="0" dirty="0" err="1">
+                <a:solidFill>
+                  <a:srgbClr val="ECECEC"/>
+                </a:solidFill>
+                <a:effectLst/>
+                <a:latin typeface="+mn-lt"/>
+              </a:rPr>
+              <a:t>PrefixSuffix</a:t>
+            </a:r>
+            <a:r>
+              <a:rPr lang="en-US" b="0" i="0" dirty="0">
+                <a:solidFill>
+                  <a:srgbClr val="ECECEC"/>
+                </a:solidFill>
+                <a:effectLst/>
+                <a:latin typeface="+mn-lt"/>
+              </a:rPr>
+              <a:t>-, while phishing websites might.</a:t>
+            </a:r>
+          </a:p>
+          <a:p>
+            <a:pPr marL="0" indent="0" algn="l">
+              <a:buNone/>
+            </a:pPr>
+            <a:endParaRPr lang="en-US" sz="1800" b="1" i="0" dirty="0">
+              <a:solidFill>
+                <a:srgbClr val="ECECEC"/>
+              </a:solidFill>
+              <a:effectLst/>
+              <a:latin typeface="+mn-lt"/>
+            </a:endParaRPr>
+          </a:p>
+          <a:p>
+            <a:pPr algn="l">
+              <a:buFont typeface="+mj-lt"/>
+              <a:buAutoNum type="arabicPeriod"/>
+            </a:pPr>
+            <a:r>
+              <a:rPr lang="en-US" sz="1800" b="1" i="0" dirty="0">
+                <a:solidFill>
+                  <a:srgbClr val="ECECEC"/>
+                </a:solidFill>
+                <a:effectLst/>
+                <a:latin typeface="+mn-lt"/>
+              </a:rPr>
+              <a:t>Below Diagonal (Scatter Plots)</a:t>
+            </a:r>
+            <a:r>
+              <a:rPr lang="en-US" sz="1800" b="0" i="0" dirty="0">
+                <a:solidFill>
+                  <a:srgbClr val="ECECEC"/>
+                </a:solidFill>
+                <a:effectLst/>
+                <a:latin typeface="+mn-lt"/>
+              </a:rPr>
+              <a:t>:</a:t>
+            </a:r>
+          </a:p>
+          <a:p>
+            <a:pPr marL="742950" lvl="1" indent="-285750" algn="l">
+              <a:buFont typeface="+mj-lt"/>
+              <a:buAutoNum type="arabicPeriod"/>
+            </a:pPr>
+            <a:r>
+              <a:rPr lang="en-US" b="0" i="0" dirty="0">
+                <a:solidFill>
+                  <a:srgbClr val="ECECEC"/>
+                </a:solidFill>
+                <a:effectLst/>
+                <a:latin typeface="+mn-lt"/>
+              </a:rPr>
+              <a:t>These plots show the relationship between pairs of features. For example, the relationship between </a:t>
+            </a:r>
+            <a:r>
+              <a:rPr lang="en-US" b="0" i="0" dirty="0" err="1">
+                <a:solidFill>
+                  <a:srgbClr val="ECECEC"/>
+                </a:solidFill>
+                <a:effectLst/>
+                <a:latin typeface="+mn-lt"/>
+              </a:rPr>
+              <a:t>PrefixSuffix</a:t>
+            </a:r>
+            <a:r>
+              <a:rPr lang="en-US" b="0" i="0" dirty="0">
+                <a:solidFill>
+                  <a:srgbClr val="ECECEC"/>
+                </a:solidFill>
+                <a:effectLst/>
+                <a:latin typeface="+mn-lt"/>
+              </a:rPr>
+              <a:t>- and </a:t>
+            </a:r>
+            <a:r>
+              <a:rPr lang="en-US" b="0" i="0" dirty="0" err="1">
+                <a:solidFill>
+                  <a:srgbClr val="ECECEC"/>
+                </a:solidFill>
+                <a:effectLst/>
+                <a:latin typeface="+mn-lt"/>
+              </a:rPr>
+              <a:t>SubDomains</a:t>
+            </a:r>
+            <a:r>
+              <a:rPr lang="en-US" b="0" i="0" dirty="0">
+                <a:solidFill>
+                  <a:srgbClr val="ECECEC"/>
+                </a:solidFill>
+                <a:effectLst/>
+                <a:latin typeface="+mn-lt"/>
+              </a:rPr>
+              <a:t> is represented by plotting </a:t>
+            </a:r>
+            <a:r>
+              <a:rPr lang="en-US" b="0" i="0" dirty="0" err="1">
+                <a:solidFill>
+                  <a:srgbClr val="ECECEC"/>
+                </a:solidFill>
+                <a:effectLst/>
+                <a:latin typeface="+mn-lt"/>
+              </a:rPr>
+              <a:t>PrefixSuffix</a:t>
+            </a:r>
+            <a:r>
+              <a:rPr lang="en-US" b="0" i="0" dirty="0">
+                <a:solidFill>
+                  <a:srgbClr val="ECECEC"/>
+                </a:solidFill>
+                <a:effectLst/>
+                <a:latin typeface="+mn-lt"/>
+              </a:rPr>
+              <a:t>- values on the x-axis and </a:t>
+            </a:r>
+            <a:r>
+              <a:rPr lang="en-US" b="0" i="0" dirty="0" err="1">
+                <a:solidFill>
+                  <a:srgbClr val="ECECEC"/>
+                </a:solidFill>
+                <a:effectLst/>
+                <a:latin typeface="+mn-lt"/>
+              </a:rPr>
+              <a:t>SubDomains</a:t>
+            </a:r>
+            <a:r>
+              <a:rPr lang="en-US" b="0" i="0" dirty="0">
+                <a:solidFill>
+                  <a:srgbClr val="ECECEC"/>
+                </a:solidFill>
+                <a:effectLst/>
+                <a:latin typeface="+mn-lt"/>
+              </a:rPr>
+              <a:t> values on the y-axis for each data point.</a:t>
+            </a:r>
+          </a:p>
+          <a:p>
+            <a:pPr marL="742950" lvl="1" indent="-285750" algn="l">
+              <a:buFont typeface="+mj-lt"/>
+              <a:buAutoNum type="arabicPeriod"/>
+            </a:pPr>
+            <a:r>
+              <a:rPr lang="en-US" b="0" i="0" dirty="0">
+                <a:solidFill>
+                  <a:srgbClr val="ECECEC"/>
+                </a:solidFill>
+                <a:effectLst/>
+                <a:latin typeface="+mn-lt"/>
+              </a:rPr>
+              <a:t>The color coding helps you to quickly see if there are any patterns that are specific to one class. If all the pink dots are in one region and all the grey dots are in another, it suggests a strong relationship that could be useful for classification.</a:t>
             </a:r>
           </a:p>
           <a:p>
@@ -28605,6 +28985,172 @@
 </file>
 
 <file path=ppt/slides/slide8.xml><?xml version="1.0" encoding="utf-8"?>
+<p:sld xmlns:a="http://schemas.openxmlformats.org/drawingml/2006/main" xmlns:r="http://schemas.openxmlformats.org/officeDocument/2006/relationships" xmlns:p="http://schemas.openxmlformats.org/presentationml/2006/main">
+  <p:cSld>
+    <p:spTree>
+      <p:nvGrpSpPr>
+        <p:cNvPr id="1" name=""/>
+        <p:cNvGrpSpPr/>
+        <p:nvPr/>
+      </p:nvGrpSpPr>
+      <p:grpSpPr>
+        <a:xfrm>
+          <a:off x="0" y="0"/>
+          <a:ext cx="0" cy="0"/>
+          <a:chOff x="0" y="0"/>
+          <a:chExt cx="0" cy="0"/>
+        </a:xfrm>
+      </p:grpSpPr>
+      <p:sp>
+        <p:nvSpPr>
+          <p:cNvPr id="4" name="Title 1">
+            <a:extLst>
+              <a:ext uri="{FF2B5EF4-FFF2-40B4-BE49-F238E27FC236}">
+                <a16:creationId xmlns:a16="http://schemas.microsoft.com/office/drawing/2014/main" id="{08ABCF0D-C87B-942E-EFDE-6BB5936A23F0}"/>
+              </a:ext>
+            </a:extLst>
+          </p:cNvPr>
+          <p:cNvSpPr>
+            <a:spLocks noGrp="1"/>
+          </p:cNvSpPr>
+          <p:nvPr>
+            <p:ph idx="1"/>
+          </p:nvPr>
+        </p:nvSpPr>
+        <p:spPr>
+          <a:xfrm>
+            <a:off x="791738" y="825191"/>
+            <a:ext cx="10147608" cy="4293220"/>
+          </a:xfrm>
+        </p:spPr>
+        <p:txBody>
+          <a:bodyPr/>
+          <a:lstStyle/>
+          <a:p>
+            <a:pPr marL="0" indent="0" algn="l">
+              <a:buNone/>
+            </a:pPr>
+            <a:r>
+              <a:rPr lang="en-US" sz="1800" i="0" dirty="0">
+                <a:solidFill>
+                  <a:srgbClr val="ECECEC"/>
+                </a:solidFill>
+                <a:effectLst/>
+                <a:latin typeface="+mn-lt"/>
+              </a:rPr>
+              <a:t>3. Above Diagonal (Density Plots):</a:t>
+            </a:r>
+          </a:p>
+          <a:p>
+            <a:pPr algn="l">
+              <a:buFont typeface="Arial" panose="020B0604020202020204" pitchFamily="34" charset="0"/>
+              <a:buChar char="•"/>
+            </a:pPr>
+            <a:r>
+              <a:rPr lang="en-US" sz="1800" i="0" dirty="0">
+                <a:solidFill>
+                  <a:srgbClr val="ECECEC"/>
+                </a:solidFill>
+                <a:effectLst/>
+                <a:latin typeface="+mn-lt"/>
+              </a:rPr>
+              <a:t>These are not simply density plots but look like bivariate KDE plots, which are two-dimensional extensions of the one-dimensional KDE plots seen on the diagonal.</a:t>
+            </a:r>
+          </a:p>
+          <a:p>
+            <a:pPr algn="l">
+              <a:buFont typeface="Arial" panose="020B0604020202020204" pitchFamily="34" charset="0"/>
+              <a:buChar char="•"/>
+            </a:pPr>
+            <a:r>
+              <a:rPr lang="en-US" sz="1800" i="0" dirty="0">
+                <a:solidFill>
+                  <a:srgbClr val="ECECEC"/>
+                </a:solidFill>
+                <a:effectLst/>
+                <a:latin typeface="+mn-lt"/>
+              </a:rPr>
+              <a:t>They help you to see the probability density of combinations of two features. For instance, you can see where combinations of </a:t>
+            </a:r>
+            <a:r>
+              <a:rPr lang="en-US" sz="1800" i="0" dirty="0" err="1">
+                <a:solidFill>
+                  <a:srgbClr val="ECECEC"/>
+                </a:solidFill>
+                <a:effectLst/>
+                <a:latin typeface="+mn-lt"/>
+              </a:rPr>
+              <a:t>PrefixSuffix</a:t>
+            </a:r>
+            <a:r>
+              <a:rPr lang="en-US" sz="1800" i="0" dirty="0">
+                <a:solidFill>
+                  <a:srgbClr val="ECECEC"/>
+                </a:solidFill>
+                <a:effectLst/>
+                <a:latin typeface="+mn-lt"/>
+              </a:rPr>
+              <a:t>- and </a:t>
+            </a:r>
+            <a:r>
+              <a:rPr lang="en-US" sz="1800" i="0" dirty="0" err="1">
+                <a:solidFill>
+                  <a:srgbClr val="ECECEC"/>
+                </a:solidFill>
+                <a:effectLst/>
+                <a:latin typeface="+mn-lt"/>
+              </a:rPr>
+              <a:t>SubDomains</a:t>
+            </a:r>
+            <a:r>
+              <a:rPr lang="en-US" sz="1800" i="0" dirty="0">
+                <a:solidFill>
+                  <a:srgbClr val="ECECEC"/>
+                </a:solidFill>
+                <a:effectLst/>
+                <a:latin typeface="+mn-lt"/>
+              </a:rPr>
+              <a:t> are most common for each class.</a:t>
+            </a:r>
+          </a:p>
+          <a:p>
+            <a:pPr algn="l">
+              <a:buFont typeface="Arial" panose="020B0604020202020204" pitchFamily="34" charset="0"/>
+              <a:buChar char="•"/>
+            </a:pPr>
+            <a:r>
+              <a:rPr lang="en-US" sz="1800" i="0" dirty="0">
+                <a:solidFill>
+                  <a:srgbClr val="ECECEC"/>
+                </a:solidFill>
+                <a:effectLst/>
+                <a:latin typeface="+mn-lt"/>
+              </a:rPr>
+              <a:t>If there's a clear separation of colors (pink and grey), it indicates that those two features combined provide good class separability.</a:t>
+            </a:r>
+          </a:p>
+          <a:p>
+            <a:pPr marL="0" indent="0">
+              <a:buNone/>
+            </a:pPr>
+            <a:endParaRPr lang="en-US" dirty="0"/>
+          </a:p>
+        </p:txBody>
+      </p:sp>
+    </p:spTree>
+    <p:extLst>
+      <p:ext uri="{BB962C8B-B14F-4D97-AF65-F5344CB8AC3E}">
+        <p14:creationId xmlns:p14="http://schemas.microsoft.com/office/powerpoint/2010/main" val="320970797"/>
+      </p:ext>
+    </p:extLst>
+  </p:cSld>
+  <p:clrMapOvr>
+    <a:masterClrMapping/>
+  </p:clrMapOvr>
+</p:sld>
+</file>
+
+<file path=ppt/slides/slide9.xml><?xml version="1.0" encoding="utf-8"?>
 <p:sld xmlns:a="http://schemas.openxmlformats.org/drawingml/2006/main" xmlns:r="http://schemas.openxmlformats.org/officeDocument/2006/relationships" xmlns:p="http://schemas.openxmlformats.org/presentationml/2006/main">
   <p:cSld>
     <p:bg>
@@ -29691,139 +30237,6 @@
     <p:extLst>
       <p:ext uri="{BB962C8B-B14F-4D97-AF65-F5344CB8AC3E}">
         <p14:creationId xmlns:p14="http://schemas.microsoft.com/office/powerpoint/2010/main" val="2385268118"/>
-      </p:ext>
-    </p:extLst>
-  </p:cSld>
-  <p:clrMapOvr>
-    <a:masterClrMapping/>
-  </p:clrMapOvr>
-</p:sld>
-</file>
-
-<file path=ppt/slides/slide9.xml><?xml version="1.0" encoding="utf-8"?>
-<p:sld xmlns:a="http://schemas.openxmlformats.org/drawingml/2006/main" xmlns:r="http://schemas.openxmlformats.org/officeDocument/2006/relationships" xmlns:p="http://schemas.openxmlformats.org/presentationml/2006/main">
-  <p:cSld>
-    <p:spTree>
-      <p:nvGrpSpPr>
-        <p:cNvPr id="1" name=""/>
-        <p:cNvGrpSpPr/>
-        <p:nvPr/>
-      </p:nvGrpSpPr>
-      <p:grpSpPr>
-        <a:xfrm>
-          <a:off x="0" y="0"/>
-          <a:ext cx="0" cy="0"/>
-          <a:chOff x="0" y="0"/>
-          <a:chExt cx="0" cy="0"/>
-        </a:xfrm>
-      </p:grpSpPr>
-      <p:sp>
-        <p:nvSpPr>
-          <p:cNvPr id="4" name="Title 1">
-            <a:extLst>
-              <a:ext uri="{FF2B5EF4-FFF2-40B4-BE49-F238E27FC236}">
-                <a16:creationId xmlns:a16="http://schemas.microsoft.com/office/drawing/2014/main" id="{6110BF59-2BF1-E00A-E1BF-6AC1FF34D73F}"/>
-              </a:ext>
-            </a:extLst>
-          </p:cNvPr>
-          <p:cNvSpPr>
-            <a:spLocks noGrp="1"/>
-          </p:cNvSpPr>
-          <p:nvPr>
-            <p:ph idx="1"/>
-          </p:nvPr>
-        </p:nvSpPr>
-        <p:spPr>
-          <a:xfrm>
-            <a:off x="701675" y="1027113"/>
-            <a:ext cx="11074400" cy="5162550"/>
-          </a:xfrm>
-        </p:spPr>
-        <p:txBody>
-          <a:bodyPr/>
-          <a:lstStyle/>
-          <a:p>
-            <a:r>
-              <a:rPr lang="en-US" b="0" i="0" dirty="0">
-                <a:solidFill>
-                  <a:srgbClr val="D1D5DB"/>
-                </a:solidFill>
-                <a:effectLst/>
-                <a:latin typeface="+mn-lt"/>
-              </a:rPr>
-              <a:t>The pie chart provided illustrates the class distribution within my dataset, distinguishing between phishing (1) and legitimate (-1) websites. The chart shows a relatively balanced distribution because because neither class is significantly underrepresented; the two classes are within about 10 percentage points of each other.</a:t>
-            </a:r>
-          </a:p>
-          <a:p>
-            <a:endParaRPr lang="en-US" dirty="0">
-              <a:solidFill>
-                <a:srgbClr val="D1D5DB"/>
-              </a:solidFill>
-              <a:latin typeface="+mn-lt"/>
-            </a:endParaRPr>
-          </a:p>
-          <a:p>
-            <a:r>
-              <a:rPr lang="en-US" b="0" i="0" dirty="0">
-                <a:solidFill>
-                  <a:srgbClr val="D1D5DB"/>
-                </a:solidFill>
-                <a:effectLst/>
-                <a:latin typeface="+mn-lt"/>
-              </a:rPr>
-              <a:t>Having a balanced dataset is crucial for training machine learning models because:</a:t>
-            </a:r>
-          </a:p>
-          <a:p>
-            <a:r>
-              <a:rPr lang="en-US" b="0" i="0" dirty="0">
-                <a:solidFill>
-                  <a:srgbClr val="D1D5DB"/>
-                </a:solidFill>
-                <a:effectLst/>
-                <a:latin typeface="+mn-lt"/>
-              </a:rPr>
-              <a:t>It helps ensure that the model does not become biased toward the more common class.</a:t>
-            </a:r>
-          </a:p>
-          <a:p>
-            <a:r>
-              <a:rPr lang="en-US" b="0" i="0" dirty="0">
-                <a:solidFill>
-                  <a:srgbClr val="D1D5DB"/>
-                </a:solidFill>
-                <a:effectLst/>
-                <a:latin typeface="+mn-lt"/>
-              </a:rPr>
-              <a:t>It improves the reliability of accuracy as a metric for model performance.</a:t>
-            </a:r>
-          </a:p>
-          <a:p>
-            <a:r>
-              <a:rPr lang="en-US" b="0" i="0" dirty="0">
-                <a:solidFill>
-                  <a:srgbClr val="D1D5DB"/>
-                </a:solidFill>
-                <a:effectLst/>
-                <a:latin typeface="+mn-lt"/>
-              </a:rPr>
-              <a:t>It allows for better generalization of the model when predicting new, unseen data.</a:t>
-            </a:r>
-          </a:p>
-          <a:p>
-            <a:pPr marL="0" indent="0">
-              <a:buNone/>
-            </a:pPr>
-            <a:endParaRPr lang="en-US" dirty="0">
-              <a:latin typeface="+mn-lt"/>
-            </a:endParaRPr>
-          </a:p>
-        </p:txBody>
-      </p:sp>
-    </p:spTree>
-    <p:extLst>
-      <p:ext uri="{BB962C8B-B14F-4D97-AF65-F5344CB8AC3E}">
-        <p14:creationId xmlns:p14="http://schemas.microsoft.com/office/powerpoint/2010/main" val="2317778160"/>
       </p:ext>
     </p:extLst>
   </p:cSld>

--- a/Week 4&5 Presentation.pptx
+++ b/Week 4&5 Presentation.pptx
@@ -24863,14 +24863,7 @@
                 <a:effectLst/>
                 <a:latin typeface="+mn-lt"/>
               </a:rPr>
-              <a:t> when an exception </a:t>
-            </a:r>
-            <a:r>
-              <a:rPr lang="en-US" sz="1700" b="0" i="0">
-                <a:effectLst/>
-                <a:latin typeface="+mn-lt"/>
-              </a:rPr>
-              <a:t>occurs..</a:t>
+              <a:t> when an exception occurs..</a:t>
             </a:r>
             <a:endParaRPr lang="en-US" sz="1700" dirty="0">
               <a:latin typeface="+mn-lt"/>
@@ -28628,7 +28621,7 @@
         </p:spPr>
         <p:txBody>
           <a:bodyPr>
-            <a:normAutofit lnSpcReduction="10000"/>
+            <a:normAutofit/>
           </a:bodyPr>
           <a:lstStyle/>
           <a:p>
@@ -28681,7 +28674,7 @@
                 <a:effectLst/>
                 <a:latin typeface="+mn-lt"/>
               </a:rPr>
-              <a:t>These are not simple histograms but rather density plots, which are smoothed versions of histograms. They show the distribution of a single variable for different classes</a:t>
+              <a:t>They show the distribution of a single variable for different classes</a:t>
             </a:r>
           </a:p>
           <a:p>

--- a/Week 4&5 Presentation.pptx
+++ b/Week 4&5 Presentation.pptx
@@ -19089,7 +19089,26 @@
                 <a:effectLst/>
                 <a:latin typeface="+mn-lt"/>
               </a:rPr>
-              <a:t>Cluster Analysis: Analyzing the clusters can help understand the characteristics that differentiate between different types of websites, such as those that are clearly legitimate, clearly phishing, or potentially suspicious</a:t>
+              <a:t>Cluster Analysis: Analyzing the clusters can help understand the characteristics that differentiate between different types of websites, such as those that are clearly legitimate, clearly phishing</a:t>
+            </a:r>
+            <a:r>
+              <a:rPr lang="en-US" dirty="0">
+                <a:solidFill>
+                  <a:srgbClr val="D1D5DB"/>
+                </a:solidFill>
+                <a:latin typeface="+mn-lt"/>
+              </a:rPr>
+              <a:t> </a:t>
+            </a:r>
+            <a:r>
+              <a:rPr lang="en-US" i="0" dirty="0">
+                <a:solidFill>
+                  <a:srgbClr val="D1D5DB"/>
+                </a:solidFill>
+                <a:effectLst/>
+                <a:latin typeface="+mn-lt"/>
+              </a:rPr>
+              <a:t>or potentially suspicious</a:t>
             </a:r>
           </a:p>
           <a:p>
@@ -22117,8 +22136,8 @@
         </p:blipFill>
         <p:spPr>
           <a:xfrm>
-            <a:off x="643854" y="657867"/>
-            <a:ext cx="6270662" cy="5185721"/>
+            <a:off x="643854" y="356839"/>
+            <a:ext cx="6270662" cy="5609063"/>
           </a:xfrm>
           <a:prstGeom prst="rect">
             <a:avLst/>
